--- a/30DaysCodeChallenges.pptx
+++ b/30DaysCodeChallenges.pptx
@@ -5,12 +5,14 @@
     <p:sldMasterId id="2147483648" r:id="rId1"/>
   </p:sldMasterIdLst>
   <p:notesMasterIdLst>
-    <p:notesMasterId r:id="rId5"/>
+    <p:notesMasterId r:id="rId7"/>
   </p:notesMasterIdLst>
   <p:sldIdLst>
     <p:sldId id="256" r:id="rId2"/>
-    <p:sldId id="289" r:id="rId3"/>
-    <p:sldId id="290" r:id="rId4"/>
+    <p:sldId id="257" r:id="rId3"/>
+    <p:sldId id="259" r:id="rId4"/>
+    <p:sldId id="260" r:id="rId5"/>
+    <p:sldId id="258" r:id="rId6"/>
   </p:sldIdLst>
   <p:sldSz cx="12192000" cy="6858000"/>
   <p:notesSz cx="6858000" cy="9144000"/>
@@ -199,7 +201,7 @@
           <a:p>
             <a:fld id="{C16772A7-E0FC-3145-8585-A82DA55A5D81}" type="datetimeFigureOut">
               <a:rPr lang="en-US" smtClean="0"/>
-              <a:t>5/5/20</a:t>
+              <a:t>5/11/20</a:t>
             </a:fld>
             <a:endParaRPr lang="en-US"/>
           </a:p>
@@ -467,190 +469,6 @@
 </p:notesMaster>
 </file>
 
-<file path=ppt/notesSlides/notesSlide1.xml><?xml version="1.0" encoding="utf-8"?>
-<p:notes xmlns:a="http://schemas.openxmlformats.org/drawingml/2006/main" xmlns:r="http://schemas.openxmlformats.org/officeDocument/2006/relationships" xmlns:p="http://schemas.openxmlformats.org/presentationml/2006/main">
-  <p:cSld>
-    <p:spTree>
-      <p:nvGrpSpPr>
-        <p:cNvPr id="1" name=""/>
-        <p:cNvGrpSpPr/>
-        <p:nvPr/>
-      </p:nvGrpSpPr>
-      <p:grpSpPr>
-        <a:xfrm>
-          <a:off x="0" y="0"/>
-          <a:ext cx="0" cy="0"/>
-          <a:chOff x="0" y="0"/>
-          <a:chExt cx="0" cy="0"/>
-        </a:xfrm>
-      </p:grpSpPr>
-      <p:sp>
-        <p:nvSpPr>
-          <p:cNvPr id="2" name="Slide Image Placeholder 1"/>
-          <p:cNvSpPr>
-            <a:spLocks noGrp="1" noRot="1" noChangeAspect="1"/>
-          </p:cNvSpPr>
-          <p:nvPr>
-            <p:ph type="sldImg"/>
-          </p:nvPr>
-        </p:nvSpPr>
-        <p:spPr/>
-      </p:sp>
-      <p:sp>
-        <p:nvSpPr>
-          <p:cNvPr id="3" name="Notes Placeholder 2"/>
-          <p:cNvSpPr>
-            <a:spLocks noGrp="1"/>
-          </p:cNvSpPr>
-          <p:nvPr>
-            <p:ph type="body" idx="1"/>
-          </p:nvPr>
-        </p:nvSpPr>
-        <p:spPr/>
-        <p:txBody>
-          <a:bodyPr/>
-          <a:lstStyle/>
-          <a:p>
-            <a:r>
-              <a:rPr lang="en-US" dirty="0"/>
-              <a:t>Go to the Live code at </a:t>
-            </a:r>
-            <a:r>
-              <a:rPr lang="en-US" dirty="0" err="1"/>
-              <a:t>array.js</a:t>
-            </a:r>
-            <a:endParaRPr lang="en-US" dirty="0"/>
-          </a:p>
-        </p:txBody>
-      </p:sp>
-      <p:sp>
-        <p:nvSpPr>
-          <p:cNvPr id="4" name="Slide Number Placeholder 3"/>
-          <p:cNvSpPr>
-            <a:spLocks noGrp="1"/>
-          </p:cNvSpPr>
-          <p:nvPr>
-            <p:ph type="sldNum" sz="quarter" idx="5"/>
-          </p:nvPr>
-        </p:nvSpPr>
-        <p:spPr/>
-        <p:txBody>
-          <a:bodyPr/>
-          <a:lstStyle/>
-          <a:p>
-            <a:fld id="{E266C2CF-B691-B846-85E9-BB057D587CEE}" type="slidenum">
-              <a:rPr lang="en-US" smtClean="0"/>
-              <a:t>2</a:t>
-            </a:fld>
-            <a:endParaRPr lang="en-US"/>
-          </a:p>
-        </p:txBody>
-      </p:sp>
-    </p:spTree>
-    <p:extLst>
-      <p:ext uri="{BB962C8B-B14F-4D97-AF65-F5344CB8AC3E}">
-        <p14:creationId xmlns:p14="http://schemas.microsoft.com/office/powerpoint/2010/main" val="1077156418"/>
-      </p:ext>
-    </p:extLst>
-  </p:cSld>
-  <p:clrMapOvr>
-    <a:masterClrMapping/>
-  </p:clrMapOvr>
-</p:notes>
-</file>
-
-<file path=ppt/notesSlides/notesSlide2.xml><?xml version="1.0" encoding="utf-8"?>
-<p:notes xmlns:a="http://schemas.openxmlformats.org/drawingml/2006/main" xmlns:r="http://schemas.openxmlformats.org/officeDocument/2006/relationships" xmlns:p="http://schemas.openxmlformats.org/presentationml/2006/main">
-  <p:cSld>
-    <p:spTree>
-      <p:nvGrpSpPr>
-        <p:cNvPr id="1" name=""/>
-        <p:cNvGrpSpPr/>
-        <p:nvPr/>
-      </p:nvGrpSpPr>
-      <p:grpSpPr>
-        <a:xfrm>
-          <a:off x="0" y="0"/>
-          <a:ext cx="0" cy="0"/>
-          <a:chOff x="0" y="0"/>
-          <a:chExt cx="0" cy="0"/>
-        </a:xfrm>
-      </p:grpSpPr>
-      <p:sp>
-        <p:nvSpPr>
-          <p:cNvPr id="2" name="Slide Image Placeholder 1"/>
-          <p:cNvSpPr>
-            <a:spLocks noGrp="1" noRot="1" noChangeAspect="1"/>
-          </p:cNvSpPr>
-          <p:nvPr>
-            <p:ph type="sldImg"/>
-          </p:nvPr>
-        </p:nvSpPr>
-        <p:spPr/>
-      </p:sp>
-      <p:sp>
-        <p:nvSpPr>
-          <p:cNvPr id="3" name="Notes Placeholder 2"/>
-          <p:cNvSpPr>
-            <a:spLocks noGrp="1"/>
-          </p:cNvSpPr>
-          <p:nvPr>
-            <p:ph type="body" idx="1"/>
-          </p:nvPr>
-        </p:nvSpPr>
-        <p:spPr/>
-        <p:txBody>
-          <a:bodyPr/>
-          <a:lstStyle/>
-          <a:p>
-            <a:r>
-              <a:rPr lang="en-US" dirty="0"/>
-              <a:t>Go to the Live code at </a:t>
-            </a:r>
-            <a:r>
-              <a:rPr lang="en-US" dirty="0" err="1"/>
-              <a:t>array.js</a:t>
-            </a:r>
-            <a:endParaRPr lang="en-US" dirty="0"/>
-          </a:p>
-        </p:txBody>
-      </p:sp>
-      <p:sp>
-        <p:nvSpPr>
-          <p:cNvPr id="4" name="Slide Number Placeholder 3"/>
-          <p:cNvSpPr>
-            <a:spLocks noGrp="1"/>
-          </p:cNvSpPr>
-          <p:nvPr>
-            <p:ph type="sldNum" sz="quarter" idx="5"/>
-          </p:nvPr>
-        </p:nvSpPr>
-        <p:spPr/>
-        <p:txBody>
-          <a:bodyPr/>
-          <a:lstStyle/>
-          <a:p>
-            <a:fld id="{E266C2CF-B691-B846-85E9-BB057D587CEE}" type="slidenum">
-              <a:rPr lang="en-US" smtClean="0"/>
-              <a:t>3</a:t>
-            </a:fld>
-            <a:endParaRPr lang="en-US"/>
-          </a:p>
-        </p:txBody>
-      </p:sp>
-    </p:spTree>
-    <p:extLst>
-      <p:ext uri="{BB962C8B-B14F-4D97-AF65-F5344CB8AC3E}">
-        <p14:creationId xmlns:p14="http://schemas.microsoft.com/office/powerpoint/2010/main" val="2969256166"/>
-      </p:ext>
-    </p:extLst>
-  </p:cSld>
-  <p:clrMapOvr>
-    <a:masterClrMapping/>
-  </p:clrMapOvr>
-</p:notes>
-</file>
-
 <file path=ppt/slideLayouts/slideLayout1.xml><?xml version="1.0" encoding="utf-8"?>
 <p:sldLayout xmlns:a="http://schemas.openxmlformats.org/drawingml/2006/main" xmlns:r="http://schemas.openxmlformats.org/officeDocument/2006/relationships" xmlns:p="http://schemas.openxmlformats.org/presentationml/2006/main" type="title" preserve="1">
   <p:cSld name="Title Slide">
@@ -800,7 +618,7 @@
           <a:p>
             <a:fld id="{B02BE032-EC6F-1F44-8F1C-022A9A50A990}" type="datetimeFigureOut">
               <a:rPr lang="en-US" smtClean="0"/>
-              <a:t>5/5/20</a:t>
+              <a:t>5/11/20</a:t>
             </a:fld>
             <a:endParaRPr lang="en-US"/>
           </a:p>
@@ -1000,7 +818,7 @@
           <a:p>
             <a:fld id="{B02BE032-EC6F-1F44-8F1C-022A9A50A990}" type="datetimeFigureOut">
               <a:rPr lang="en-US" smtClean="0"/>
-              <a:t>5/5/20</a:t>
+              <a:t>5/11/20</a:t>
             </a:fld>
             <a:endParaRPr lang="en-US"/>
           </a:p>
@@ -1210,7 +1028,7 @@
           <a:p>
             <a:fld id="{B02BE032-EC6F-1F44-8F1C-022A9A50A990}" type="datetimeFigureOut">
               <a:rPr lang="en-US" smtClean="0"/>
-              <a:t>5/5/20</a:t>
+              <a:t>5/11/20</a:t>
             </a:fld>
             <a:endParaRPr lang="en-US"/>
           </a:p>
@@ -1410,7 +1228,7 @@
           <a:p>
             <a:fld id="{B02BE032-EC6F-1F44-8F1C-022A9A50A990}" type="datetimeFigureOut">
               <a:rPr lang="en-US" smtClean="0"/>
-              <a:t>5/5/20</a:t>
+              <a:t>5/11/20</a:t>
             </a:fld>
             <a:endParaRPr lang="en-US"/>
           </a:p>
@@ -1686,7 +1504,7 @@
           <a:p>
             <a:fld id="{B02BE032-EC6F-1F44-8F1C-022A9A50A990}" type="datetimeFigureOut">
               <a:rPr lang="en-US" smtClean="0"/>
-              <a:t>5/5/20</a:t>
+              <a:t>5/11/20</a:t>
             </a:fld>
             <a:endParaRPr lang="en-US"/>
           </a:p>
@@ -1954,7 +1772,7 @@
           <a:p>
             <a:fld id="{B02BE032-EC6F-1F44-8F1C-022A9A50A990}" type="datetimeFigureOut">
               <a:rPr lang="en-US" smtClean="0"/>
-              <a:t>5/5/20</a:t>
+              <a:t>5/11/20</a:t>
             </a:fld>
             <a:endParaRPr lang="en-US"/>
           </a:p>
@@ -2369,7 +2187,7 @@
           <a:p>
             <a:fld id="{B02BE032-EC6F-1F44-8F1C-022A9A50A990}" type="datetimeFigureOut">
               <a:rPr lang="en-US" smtClean="0"/>
-              <a:t>5/5/20</a:t>
+              <a:t>5/11/20</a:t>
             </a:fld>
             <a:endParaRPr lang="en-US"/>
           </a:p>
@@ -2511,7 +2329,7 @@
           <a:p>
             <a:fld id="{B02BE032-EC6F-1F44-8F1C-022A9A50A990}" type="datetimeFigureOut">
               <a:rPr lang="en-US" smtClean="0"/>
-              <a:t>5/5/20</a:t>
+              <a:t>5/11/20</a:t>
             </a:fld>
             <a:endParaRPr lang="en-US"/>
           </a:p>
@@ -2624,7 +2442,7 @@
           <a:p>
             <a:fld id="{B02BE032-EC6F-1F44-8F1C-022A9A50A990}" type="datetimeFigureOut">
               <a:rPr lang="en-US" smtClean="0"/>
-              <a:t>5/5/20</a:t>
+              <a:t>5/11/20</a:t>
             </a:fld>
             <a:endParaRPr lang="en-US"/>
           </a:p>
@@ -2937,7 +2755,7 @@
           <a:p>
             <a:fld id="{B02BE032-EC6F-1F44-8F1C-022A9A50A990}" type="datetimeFigureOut">
               <a:rPr lang="en-US" smtClean="0"/>
-              <a:t>5/5/20</a:t>
+              <a:t>5/11/20</a:t>
             </a:fld>
             <a:endParaRPr lang="en-US"/>
           </a:p>
@@ -3226,7 +3044,7 @@
           <a:p>
             <a:fld id="{B02BE032-EC6F-1F44-8F1C-022A9A50A990}" type="datetimeFigureOut">
               <a:rPr lang="en-US" smtClean="0"/>
-              <a:t>5/5/20</a:t>
+              <a:t>5/11/20</a:t>
             </a:fld>
             <a:endParaRPr lang="en-US"/>
           </a:p>
@@ -3499,7 +3317,7 @@
           <a:p>
             <a:fld id="{B02BE032-EC6F-1F44-8F1C-022A9A50A990}" type="datetimeFigureOut">
               <a:rPr lang="en-US" smtClean="0"/>
-              <a:t>5/5/20</a:t>
+              <a:t>5/11/20</a:t>
             </a:fld>
             <a:endParaRPr lang="en-US"/>
           </a:p>
@@ -3939,13 +3757,20 @@
           </a:xfrm>
         </p:spPr>
         <p:txBody>
-          <a:bodyPr/>
+          <a:bodyPr>
+            <a:normAutofit fontScale="90000"/>
+          </a:bodyPr>
           <a:lstStyle/>
           <a:p>
             <a:r>
               <a:rPr lang="en-US" dirty="0"/>
-              <a:t>30 Days Code Challenges</a:t>
-            </a:r>
+              <a:t>From Zero to Hero - </a:t>
+            </a:r>
+            <a:r>
+              <a:rPr lang="en-US" dirty="0" err="1"/>
+              <a:t>LeetCode</a:t>
+            </a:r>
+            <a:endParaRPr lang="en-US" dirty="0"/>
           </a:p>
         </p:txBody>
       </p:sp>
@@ -4028,12 +3853,33 @@
           <a:p>
             <a:r>
               <a:rPr lang="en-US" sz="3000" i="1" dirty="0" err="1"/>
+              <a:t>Mỗi</a:t>
+            </a:r>
+            <a:r>
+              <a:rPr lang="en-US" sz="3000" i="1" dirty="0"/>
+              <a:t> </a:t>
+            </a:r>
+            <a:r>
+              <a:rPr lang="en-US" sz="3000" i="1" dirty="0" err="1"/>
+              <a:t>Tuần</a:t>
+            </a:r>
+            <a:r>
+              <a:rPr lang="en-US" sz="3000" i="1" dirty="0"/>
+              <a:t> </a:t>
+            </a:r>
+            <a:r>
+              <a:rPr lang="en-US" sz="3000" i="1" dirty="0" err="1"/>
+              <a:t>Một</a:t>
+            </a:r>
+            <a:r>
+              <a:rPr lang="en-US" sz="3000" i="1" dirty="0"/>
+              <a:t> </a:t>
+            </a:r>
+            <a:r>
+              <a:rPr lang="en-US" sz="3000" i="1" dirty="0" err="1"/>
               <a:t>LeetCode</a:t>
             </a:r>
-            <a:r>
-              <a:rPr lang="en-US" sz="3000" i="1" dirty="0"/>
-              <a:t> is Zero</a:t>
-            </a:r>
+            <a:endParaRPr lang="en-US" sz="3000" i="1" dirty="0"/>
           </a:p>
         </p:txBody>
       </p:sp>
@@ -4072,7 +3918,7 @@
           <p:cNvPr id="2" name="Title 1">
             <a:extLst>
               <a:ext uri="{FF2B5EF4-FFF2-40B4-BE49-F238E27FC236}">
-                <a16:creationId xmlns:a16="http://schemas.microsoft.com/office/drawing/2014/main" id="{70A17932-45B0-EA44-8632-89BB45B16AE2}"/>
+                <a16:creationId xmlns:a16="http://schemas.microsoft.com/office/drawing/2014/main" id="{429A5C7E-49E7-9744-BB9B-86F948A3AFAF}"/>
               </a:ext>
             </a:extLst>
           </p:cNvPr>
@@ -4083,12 +3929,7 @@
             <p:ph type="title"/>
           </p:nvPr>
         </p:nvSpPr>
-        <p:spPr>
-          <a:xfrm>
-            <a:off x="838200" y="365126"/>
-            <a:ext cx="10515600" cy="737534"/>
-          </a:xfrm>
-        </p:spPr>
+        <p:spPr/>
         <p:txBody>
           <a:bodyPr>
             <a:normAutofit/>
@@ -4096,18 +3937,175 @@
           <a:lstStyle/>
           <a:p>
             <a:r>
-              <a:rPr lang="en-US" sz="3600" b="1" dirty="0"/>
-              <a:t>Day 1: Single Number</a:t>
-            </a:r>
+              <a:rPr lang="en-SG" b="1" dirty="0"/>
+              <a:t>Best Time to Buy and Sell Stock II</a:t>
+            </a:r>
+            <a:endParaRPr lang="en-US" sz="3200" dirty="0"/>
           </a:p>
         </p:txBody>
       </p:sp>
       <p:pic>
         <p:nvPicPr>
-          <p:cNvPr id="4" name="Picture 3">
-            <a:extLst>
-              <a:ext uri="{FF2B5EF4-FFF2-40B4-BE49-F238E27FC236}">
-                <a16:creationId xmlns:a16="http://schemas.microsoft.com/office/drawing/2014/main" id="{4705BAB5-ED1B-C64F-A053-7640CD3D74FC}"/>
+          <p:cNvPr id="5" name="Content Placeholder 4">
+            <a:extLst>
+              <a:ext uri="{FF2B5EF4-FFF2-40B4-BE49-F238E27FC236}">
+                <a16:creationId xmlns:a16="http://schemas.microsoft.com/office/drawing/2014/main" id="{440799B6-C4B1-7C49-8404-2C99F29C4721}"/>
+              </a:ext>
+            </a:extLst>
+          </p:cNvPr>
+          <p:cNvPicPr>
+            <a:picLocks noGrp="1" noChangeAspect="1"/>
+          </p:cNvPicPr>
+          <p:nvPr>
+            <p:ph idx="1"/>
+          </p:nvPr>
+        </p:nvPicPr>
+        <p:blipFill>
+          <a:blip r:embed="rId2"/>
+          <a:stretch>
+            <a:fillRect/>
+          </a:stretch>
+        </p:blipFill>
+        <p:spPr>
+          <a:xfrm>
+            <a:off x="838200" y="2138082"/>
+            <a:ext cx="6934200" cy="4013200"/>
+          </a:xfrm>
+        </p:spPr>
+      </p:pic>
+      <p:sp>
+        <p:nvSpPr>
+          <p:cNvPr id="6" name="Rectangle 5">
+            <a:extLst>
+              <a:ext uri="{FF2B5EF4-FFF2-40B4-BE49-F238E27FC236}">
+                <a16:creationId xmlns:a16="http://schemas.microsoft.com/office/drawing/2014/main" id="{7CD11517-CCEF-1E41-B26F-F847DF97303A}"/>
+              </a:ext>
+            </a:extLst>
+          </p:cNvPr>
+          <p:cNvSpPr/>
+          <p:nvPr/>
+        </p:nvSpPr>
+        <p:spPr>
+          <a:xfrm>
+            <a:off x="8530631" y="1886181"/>
+            <a:ext cx="1931939" cy="369332"/>
+          </a:xfrm>
+          <a:prstGeom prst="rect">
+            <a:avLst/>
+          </a:prstGeom>
+        </p:spPr>
+        <p:txBody>
+          <a:bodyPr wrap="none">
+            <a:spAutoFit/>
+          </a:bodyPr>
+          <a:lstStyle/>
+          <a:p>
+            <a:r>
+              <a:rPr lang="en-SG" dirty="0"/>
+              <a:t>Input: [7,1,5,3,6,4]</a:t>
+            </a:r>
+            <a:endParaRPr lang="en-US" dirty="0"/>
+          </a:p>
+        </p:txBody>
+      </p:sp>
+      <p:sp>
+        <p:nvSpPr>
+          <p:cNvPr id="7" name="Rectangle 6">
+            <a:extLst>
+              <a:ext uri="{FF2B5EF4-FFF2-40B4-BE49-F238E27FC236}">
+                <a16:creationId xmlns:a16="http://schemas.microsoft.com/office/drawing/2014/main" id="{68E6E226-9646-C943-BD27-2D412AA6B585}"/>
+              </a:ext>
+            </a:extLst>
+          </p:cNvPr>
+          <p:cNvSpPr/>
+          <p:nvPr/>
+        </p:nvSpPr>
+        <p:spPr>
+          <a:xfrm>
+            <a:off x="8530631" y="2603357"/>
+            <a:ext cx="3464146" cy="2308324"/>
+          </a:xfrm>
+          <a:prstGeom prst="rect">
+            <a:avLst/>
+          </a:prstGeom>
+        </p:spPr>
+        <p:txBody>
+          <a:bodyPr wrap="square">
+            <a:spAutoFit/>
+          </a:bodyPr>
+          <a:lstStyle/>
+          <a:p>
+            <a:pPr marL="285750" indent="-285750">
+              <a:buFont typeface="Arial" panose="020B0604020202020204" pitchFamily="34" charset="0"/>
+              <a:buChar char="•"/>
+            </a:pPr>
+            <a:r>
+              <a:rPr lang="en-US" dirty="0"/>
+              <a:t>valley = prices[0]</a:t>
+            </a:r>
+          </a:p>
+          <a:p>
+            <a:pPr marL="285750" indent="-285750">
+              <a:buFont typeface="Arial" panose="020B0604020202020204" pitchFamily="34" charset="0"/>
+              <a:buChar char="•"/>
+            </a:pPr>
+            <a:r>
+              <a:rPr lang="en-US" dirty="0"/>
+              <a:t>peak = prices[0]</a:t>
+            </a:r>
+          </a:p>
+          <a:p>
+            <a:endParaRPr lang="en-US" dirty="0"/>
+          </a:p>
+          <a:p>
+            <a:pPr marL="285750" indent="-285750">
+              <a:buFont typeface="Arial" panose="020B0604020202020204" pitchFamily="34" charset="0"/>
+              <a:buChar char="•"/>
+            </a:pPr>
+            <a:r>
+              <a:rPr lang="en-US" dirty="0"/>
+              <a:t>Step 1: Find valley (to buy at the lowest)</a:t>
+            </a:r>
+          </a:p>
+          <a:p>
+            <a:pPr marL="285750" indent="-285750">
+              <a:buFont typeface="Arial" panose="020B0604020202020204" pitchFamily="34" charset="0"/>
+              <a:buChar char="•"/>
+            </a:pPr>
+            <a:r>
+              <a:rPr lang="en-US" dirty="0"/>
+              <a:t>Step 2: Find peak </a:t>
+            </a:r>
+          </a:p>
+          <a:p>
+            <a:pPr marL="285750" indent="-285750">
+              <a:buFont typeface="Arial" panose="020B0604020202020204" pitchFamily="34" charset="0"/>
+              <a:buChar char="•"/>
+            </a:pPr>
+            <a:endParaRPr lang="en-US" dirty="0"/>
+          </a:p>
+          <a:p>
+            <a:pPr marL="285750" indent="-285750">
+              <a:buFont typeface="Arial" panose="020B0604020202020204" pitchFamily="34" charset="0"/>
+              <a:buChar char="•"/>
+            </a:pPr>
+            <a:r>
+              <a:rPr lang="en-US" dirty="0" err="1"/>
+              <a:t>maxProfit</a:t>
+            </a:r>
+            <a:r>
+              <a:rPr lang="en-US" dirty="0"/>
+              <a:t> = peak - valley</a:t>
+            </a:r>
+          </a:p>
+        </p:txBody>
+      </p:sp>
+      <p:pic>
+        <p:nvPicPr>
+          <p:cNvPr id="9" name="Picture 8">
+            <a:extLst>
+              <a:ext uri="{FF2B5EF4-FFF2-40B4-BE49-F238E27FC236}">
+                <a16:creationId xmlns:a16="http://schemas.microsoft.com/office/drawing/2014/main" id="{7385BFDA-6AFA-5543-9796-46517D6E8C96}"/>
               </a:ext>
             </a:extLst>
           </p:cNvPr>
@@ -4124,38 +4122,8 @@
         </p:blipFill>
         <p:spPr>
           <a:xfrm>
-            <a:off x="10376239" y="125972"/>
-            <a:ext cx="2061634" cy="1159669"/>
-          </a:xfrm>
-          <a:prstGeom prst="rect">
-            <a:avLst/>
-          </a:prstGeom>
-        </p:spPr>
-      </p:pic>
-      <p:pic>
-        <p:nvPicPr>
-          <p:cNvPr id="6" name="Picture 5">
-            <a:extLst>
-              <a:ext uri="{FF2B5EF4-FFF2-40B4-BE49-F238E27FC236}">
-                <a16:creationId xmlns:a16="http://schemas.microsoft.com/office/drawing/2014/main" id="{456E0104-9158-C445-B7A7-313C81A537E2}"/>
-              </a:ext>
-            </a:extLst>
-          </p:cNvPr>
-          <p:cNvPicPr>
-            <a:picLocks noChangeAspect="1"/>
-          </p:cNvPicPr>
-          <p:nvPr/>
-        </p:nvPicPr>
-        <p:blipFill>
-          <a:blip r:embed="rId4"/>
-          <a:stretch>
-            <a:fillRect/>
-          </a:stretch>
-        </p:blipFill>
-        <p:spPr>
-          <a:xfrm>
-            <a:off x="520886" y="1102660"/>
-            <a:ext cx="11150227" cy="4746300"/>
+            <a:off x="1822450" y="1499768"/>
+            <a:ext cx="4965700" cy="381000"/>
           </a:xfrm>
           <a:prstGeom prst="rect">
             <a:avLst/>
@@ -4165,7 +4133,7 @@
     </p:spTree>
     <p:extLst>
       <p:ext uri="{BB962C8B-B14F-4D97-AF65-F5344CB8AC3E}">
-        <p14:creationId xmlns:p14="http://schemas.microsoft.com/office/powerpoint/2010/main" val="338502818"/>
+        <p14:creationId xmlns:p14="http://schemas.microsoft.com/office/powerpoint/2010/main" val="57126052"/>
       </p:ext>
     </p:extLst>
   </p:cSld>
@@ -4197,7 +4165,7 @@
           <p:cNvPr id="2" name="Title 1">
             <a:extLst>
               <a:ext uri="{FF2B5EF4-FFF2-40B4-BE49-F238E27FC236}">
-                <a16:creationId xmlns:a16="http://schemas.microsoft.com/office/drawing/2014/main" id="{70A17932-45B0-EA44-8632-89BB45B16AE2}"/>
+                <a16:creationId xmlns:a16="http://schemas.microsoft.com/office/drawing/2014/main" id="{429A5C7E-49E7-9744-BB9B-86F948A3AFAF}"/>
               </a:ext>
             </a:extLst>
           </p:cNvPr>
@@ -4208,12 +4176,7 @@
             <p:ph type="title"/>
           </p:nvPr>
         </p:nvSpPr>
-        <p:spPr>
-          <a:xfrm>
-            <a:off x="838200" y="365126"/>
-            <a:ext cx="10515600" cy="737534"/>
-          </a:xfrm>
-        </p:spPr>
+        <p:spPr/>
         <p:txBody>
           <a:bodyPr>
             <a:normAutofit/>
@@ -4221,18 +4184,494 @@
           <a:lstStyle/>
           <a:p>
             <a:r>
-              <a:rPr lang="en-US" sz="3600" b="1" dirty="0"/>
-              <a:t>Day 2: Happy Number</a:t>
-            </a:r>
+              <a:rPr lang="en-SG" b="1" dirty="0"/>
+              <a:t>Best Time to Buy and Sell Stock II</a:t>
+            </a:r>
+            <a:endParaRPr lang="en-US" sz="3200" dirty="0"/>
           </a:p>
         </p:txBody>
       </p:sp>
       <p:pic>
         <p:nvPicPr>
-          <p:cNvPr id="4" name="Picture 3">
-            <a:extLst>
-              <a:ext uri="{FF2B5EF4-FFF2-40B4-BE49-F238E27FC236}">
-                <a16:creationId xmlns:a16="http://schemas.microsoft.com/office/drawing/2014/main" id="{4705BAB5-ED1B-C64F-A053-7640CD3D74FC}"/>
+          <p:cNvPr id="5" name="Content Placeholder 4">
+            <a:extLst>
+              <a:ext uri="{FF2B5EF4-FFF2-40B4-BE49-F238E27FC236}">
+                <a16:creationId xmlns:a16="http://schemas.microsoft.com/office/drawing/2014/main" id="{440799B6-C4B1-7C49-8404-2C99F29C4721}"/>
+              </a:ext>
+            </a:extLst>
+          </p:cNvPr>
+          <p:cNvPicPr>
+            <a:picLocks noGrp="1" noChangeAspect="1"/>
+          </p:cNvPicPr>
+          <p:nvPr>
+            <p:ph idx="1"/>
+          </p:nvPr>
+        </p:nvPicPr>
+        <p:blipFill>
+          <a:blip r:embed="rId2"/>
+          <a:stretch>
+            <a:fillRect/>
+          </a:stretch>
+        </p:blipFill>
+        <p:spPr>
+          <a:xfrm>
+            <a:off x="4791279" y="1690688"/>
+            <a:ext cx="6934200" cy="4013200"/>
+          </a:xfrm>
+        </p:spPr>
+      </p:pic>
+      <p:sp>
+        <p:nvSpPr>
+          <p:cNvPr id="6" name="Rectangle 5">
+            <a:extLst>
+              <a:ext uri="{FF2B5EF4-FFF2-40B4-BE49-F238E27FC236}">
+                <a16:creationId xmlns:a16="http://schemas.microsoft.com/office/drawing/2014/main" id="{7CD11517-CCEF-1E41-B26F-F847DF97303A}"/>
+              </a:ext>
+            </a:extLst>
+          </p:cNvPr>
+          <p:cNvSpPr/>
+          <p:nvPr/>
+        </p:nvSpPr>
+        <p:spPr>
+          <a:xfrm>
+            <a:off x="717889" y="1777690"/>
+            <a:ext cx="1931939" cy="369332"/>
+          </a:xfrm>
+          <a:prstGeom prst="rect">
+            <a:avLst/>
+          </a:prstGeom>
+        </p:spPr>
+        <p:txBody>
+          <a:bodyPr wrap="none">
+            <a:spAutoFit/>
+          </a:bodyPr>
+          <a:lstStyle/>
+          <a:p>
+            <a:r>
+              <a:rPr lang="en-SG" dirty="0"/>
+              <a:t>Input: [7,1,5,3,6,4]</a:t>
+            </a:r>
+            <a:endParaRPr lang="en-US" dirty="0"/>
+          </a:p>
+        </p:txBody>
+      </p:sp>
+      <p:sp>
+        <p:nvSpPr>
+          <p:cNvPr id="7" name="Rectangle 6">
+            <a:extLst>
+              <a:ext uri="{FF2B5EF4-FFF2-40B4-BE49-F238E27FC236}">
+                <a16:creationId xmlns:a16="http://schemas.microsoft.com/office/drawing/2014/main" id="{68E6E226-9646-C943-BD27-2D412AA6B585}"/>
+              </a:ext>
+            </a:extLst>
+          </p:cNvPr>
+          <p:cNvSpPr/>
+          <p:nvPr/>
+        </p:nvSpPr>
+        <p:spPr>
+          <a:xfrm>
+            <a:off x="717889" y="2234024"/>
+            <a:ext cx="3464146" cy="830997"/>
+          </a:xfrm>
+          <a:prstGeom prst="rect">
+            <a:avLst/>
+          </a:prstGeom>
+        </p:spPr>
+        <p:txBody>
+          <a:bodyPr wrap="square">
+            <a:spAutoFit/>
+          </a:bodyPr>
+          <a:lstStyle/>
+          <a:p>
+            <a:r>
+              <a:rPr lang="en-US" sz="2400" dirty="0"/>
+              <a:t>How to find a Valley:</a:t>
+            </a:r>
+          </a:p>
+          <a:p>
+            <a:r>
+              <a:rPr lang="en-US" sz="2400" dirty="0"/>
+              <a:t>	</a:t>
+            </a:r>
+          </a:p>
+        </p:txBody>
+      </p:sp>
+      <p:sp>
+        <p:nvSpPr>
+          <p:cNvPr id="3" name="Rectangle 2">
+            <a:extLst>
+              <a:ext uri="{FF2B5EF4-FFF2-40B4-BE49-F238E27FC236}">
+                <a16:creationId xmlns:a16="http://schemas.microsoft.com/office/drawing/2014/main" id="{AED27810-1D7F-3B48-85B8-D2DED5617AEF}"/>
+              </a:ext>
+            </a:extLst>
+          </p:cNvPr>
+          <p:cNvSpPr/>
+          <p:nvPr/>
+        </p:nvSpPr>
+        <p:spPr>
+          <a:xfrm>
+            <a:off x="3819735" y="5834873"/>
+            <a:ext cx="7905744" cy="923330"/>
+          </a:xfrm>
+          <a:prstGeom prst="rect">
+            <a:avLst/>
+          </a:prstGeom>
+          <a:solidFill>
+            <a:schemeClr val="tx1">
+              <a:lumMod val="85000"/>
+              <a:lumOff val="15000"/>
+            </a:schemeClr>
+          </a:solidFill>
+        </p:spPr>
+        <p:txBody>
+          <a:bodyPr wrap="square">
+            <a:spAutoFit/>
+          </a:bodyPr>
+          <a:lstStyle/>
+          <a:p>
+            <a:r>
+              <a:rPr lang="en-SG" dirty="0">
+                <a:solidFill>
+                  <a:srgbClr val="C586C0"/>
+                </a:solidFill>
+                <a:latin typeface="Menlo" panose="020B0609030804020204" pitchFamily="49" charset="0"/>
+              </a:rPr>
+              <a:t>while</a:t>
+            </a:r>
+            <a:r>
+              <a:rPr lang="en-SG" dirty="0">
+                <a:solidFill>
+                  <a:srgbClr val="D4D4D4"/>
+                </a:solidFill>
+                <a:latin typeface="Menlo" panose="020B0609030804020204" pitchFamily="49" charset="0"/>
+              </a:rPr>
+              <a:t>((</a:t>
+            </a:r>
+            <a:r>
+              <a:rPr lang="en-SG" dirty="0" err="1">
+                <a:solidFill>
+                  <a:srgbClr val="D4D4D4"/>
+                </a:solidFill>
+                <a:latin typeface="Menlo" panose="020B0609030804020204" pitchFamily="49" charset="0"/>
+              </a:rPr>
+              <a:t>i</a:t>
+            </a:r>
+            <a:r>
+              <a:rPr lang="en-SG" dirty="0">
+                <a:solidFill>
+                  <a:srgbClr val="D4D4D4"/>
+                </a:solidFill>
+                <a:latin typeface="Menlo" panose="020B0609030804020204" pitchFamily="49" charset="0"/>
+              </a:rPr>
+              <a:t> &lt; </a:t>
+            </a:r>
+            <a:r>
+              <a:rPr lang="en-SG" dirty="0" err="1">
+                <a:solidFill>
+                  <a:srgbClr val="DCDCAA"/>
+                </a:solidFill>
+                <a:latin typeface="Menlo" panose="020B0609030804020204" pitchFamily="49" charset="0"/>
+              </a:rPr>
+              <a:t>len</a:t>
+            </a:r>
+            <a:r>
+              <a:rPr lang="en-SG" dirty="0">
+                <a:solidFill>
+                  <a:srgbClr val="D4D4D4"/>
+                </a:solidFill>
+                <a:latin typeface="Menlo" panose="020B0609030804020204" pitchFamily="49" charset="0"/>
+              </a:rPr>
+              <a:t>(prices)-</a:t>
+            </a:r>
+            <a:r>
+              <a:rPr lang="en-SG" dirty="0">
+                <a:solidFill>
+                  <a:srgbClr val="B5CEA8"/>
+                </a:solidFill>
+                <a:latin typeface="Menlo" panose="020B0609030804020204" pitchFamily="49" charset="0"/>
+              </a:rPr>
+              <a:t>1</a:t>
+            </a:r>
+            <a:r>
+              <a:rPr lang="en-SG" dirty="0">
+                <a:solidFill>
+                  <a:srgbClr val="D4D4D4"/>
+                </a:solidFill>
+                <a:latin typeface="Menlo" panose="020B0609030804020204" pitchFamily="49" charset="0"/>
+              </a:rPr>
+              <a:t>)</a:t>
+            </a:r>
+            <a:r>
+              <a:rPr lang="en-SG" dirty="0">
+                <a:solidFill>
+                  <a:srgbClr val="569CD6"/>
+                </a:solidFill>
+                <a:latin typeface="Menlo" panose="020B0609030804020204" pitchFamily="49" charset="0"/>
+              </a:rPr>
+              <a:t>and</a:t>
+            </a:r>
+            <a:r>
+              <a:rPr lang="en-SG" dirty="0">
+                <a:solidFill>
+                  <a:srgbClr val="D4D4D4"/>
+                </a:solidFill>
+                <a:latin typeface="Menlo" panose="020B0609030804020204" pitchFamily="49" charset="0"/>
+              </a:rPr>
+              <a:t> prices[</a:t>
+            </a:r>
+            <a:r>
+              <a:rPr lang="en-SG" dirty="0" err="1">
+                <a:solidFill>
+                  <a:srgbClr val="D4D4D4"/>
+                </a:solidFill>
+                <a:latin typeface="Menlo" panose="020B0609030804020204" pitchFamily="49" charset="0"/>
+              </a:rPr>
+              <a:t>i</a:t>
+            </a:r>
+            <a:r>
+              <a:rPr lang="en-SG" dirty="0">
+                <a:solidFill>
+                  <a:srgbClr val="D4D4D4"/>
+                </a:solidFill>
+                <a:latin typeface="Menlo" panose="020B0609030804020204" pitchFamily="49" charset="0"/>
+              </a:rPr>
+              <a:t>] &gt;= prices[i+</a:t>
+            </a:r>
+            <a:r>
+              <a:rPr lang="en-SG" dirty="0">
+                <a:solidFill>
+                  <a:srgbClr val="B5CEA8"/>
+                </a:solidFill>
+                <a:latin typeface="Menlo" panose="020B0609030804020204" pitchFamily="49" charset="0"/>
+              </a:rPr>
+              <a:t>1</a:t>
+            </a:r>
+            <a:r>
+              <a:rPr lang="en-SG" dirty="0">
+                <a:solidFill>
+                  <a:srgbClr val="D4D4D4"/>
+                </a:solidFill>
+                <a:latin typeface="Menlo" panose="020B0609030804020204" pitchFamily="49" charset="0"/>
+              </a:rPr>
+              <a:t>]):</a:t>
+            </a:r>
+          </a:p>
+          <a:p>
+            <a:pPr lvl="1"/>
+            <a:r>
+              <a:rPr lang="en-SG" dirty="0" err="1">
+                <a:solidFill>
+                  <a:srgbClr val="D4D4D4"/>
+                </a:solidFill>
+                <a:latin typeface="Menlo" panose="020B0609030804020204" pitchFamily="49" charset="0"/>
+              </a:rPr>
+              <a:t>i</a:t>
+            </a:r>
+            <a:r>
+              <a:rPr lang="en-SG" dirty="0">
+                <a:solidFill>
+                  <a:srgbClr val="D4D4D4"/>
+                </a:solidFill>
+                <a:latin typeface="Menlo" panose="020B0609030804020204" pitchFamily="49" charset="0"/>
+              </a:rPr>
+              <a:t> += </a:t>
+            </a:r>
+            <a:r>
+              <a:rPr lang="en-SG" dirty="0">
+                <a:solidFill>
+                  <a:srgbClr val="B5CEA8"/>
+                </a:solidFill>
+                <a:latin typeface="Menlo" panose="020B0609030804020204" pitchFamily="49" charset="0"/>
+              </a:rPr>
+              <a:t>1</a:t>
+            </a:r>
+            <a:endParaRPr lang="en-SG" dirty="0">
+              <a:solidFill>
+                <a:srgbClr val="D4D4D4"/>
+              </a:solidFill>
+              <a:latin typeface="Menlo" panose="020B0609030804020204" pitchFamily="49" charset="0"/>
+            </a:endParaRPr>
+          </a:p>
+          <a:p>
+            <a:pPr lvl="1"/>
+            <a:r>
+              <a:rPr lang="en-SG" dirty="0">
+                <a:solidFill>
+                  <a:srgbClr val="D4D4D4"/>
+                </a:solidFill>
+                <a:latin typeface="Menlo" panose="020B0609030804020204" pitchFamily="49" charset="0"/>
+              </a:rPr>
+              <a:t>valley = prices[</a:t>
+            </a:r>
+            <a:r>
+              <a:rPr lang="en-SG" dirty="0" err="1">
+                <a:solidFill>
+                  <a:srgbClr val="D4D4D4"/>
+                </a:solidFill>
+                <a:latin typeface="Menlo" panose="020B0609030804020204" pitchFamily="49" charset="0"/>
+              </a:rPr>
+              <a:t>i</a:t>
+            </a:r>
+            <a:r>
+              <a:rPr lang="en-SG" dirty="0">
+                <a:solidFill>
+                  <a:srgbClr val="D4D4D4"/>
+                </a:solidFill>
+                <a:latin typeface="Menlo" panose="020B0609030804020204" pitchFamily="49" charset="0"/>
+              </a:rPr>
+              <a:t>]</a:t>
+            </a:r>
+            <a:endParaRPr lang="en-SG" b="0" dirty="0">
+              <a:solidFill>
+                <a:srgbClr val="D4D4D4"/>
+              </a:solidFill>
+              <a:effectLst/>
+              <a:latin typeface="Menlo" panose="020B0609030804020204" pitchFamily="49" charset="0"/>
+            </a:endParaRPr>
+          </a:p>
+        </p:txBody>
+      </p:sp>
+    </p:spTree>
+    <p:extLst>
+      <p:ext uri="{BB962C8B-B14F-4D97-AF65-F5344CB8AC3E}">
+        <p14:creationId xmlns:p14="http://schemas.microsoft.com/office/powerpoint/2010/main" val="2025094463"/>
+      </p:ext>
+    </p:extLst>
+  </p:cSld>
+  <p:clrMapOvr>
+    <a:masterClrMapping/>
+  </p:clrMapOvr>
+</p:sld>
+</file>
+
+<file path=ppt/slides/slide4.xml><?xml version="1.0" encoding="utf-8"?>
+<p:sld xmlns:a="http://schemas.openxmlformats.org/drawingml/2006/main" xmlns:r="http://schemas.openxmlformats.org/officeDocument/2006/relationships" xmlns:p="http://schemas.openxmlformats.org/presentationml/2006/main">
+  <p:cSld>
+    <p:spTree>
+      <p:nvGrpSpPr>
+        <p:cNvPr id="1" name=""/>
+        <p:cNvGrpSpPr/>
+        <p:nvPr/>
+      </p:nvGrpSpPr>
+      <p:grpSpPr>
+        <a:xfrm>
+          <a:off x="0" y="0"/>
+          <a:ext cx="0" cy="0"/>
+          <a:chOff x="0" y="0"/>
+          <a:chExt cx="0" cy="0"/>
+        </a:xfrm>
+      </p:grpSpPr>
+      <p:sp>
+        <p:nvSpPr>
+          <p:cNvPr id="2" name="Title 1">
+            <a:extLst>
+              <a:ext uri="{FF2B5EF4-FFF2-40B4-BE49-F238E27FC236}">
+                <a16:creationId xmlns:a16="http://schemas.microsoft.com/office/drawing/2014/main" id="{429A5C7E-49E7-9744-BB9B-86F948A3AFAF}"/>
+              </a:ext>
+            </a:extLst>
+          </p:cNvPr>
+          <p:cNvSpPr>
+            <a:spLocks noGrp="1"/>
+          </p:cNvSpPr>
+          <p:nvPr>
+            <p:ph type="title"/>
+          </p:nvPr>
+        </p:nvSpPr>
+        <p:spPr/>
+        <p:txBody>
+          <a:bodyPr>
+            <a:normAutofit/>
+          </a:bodyPr>
+          <a:lstStyle/>
+          <a:p>
+            <a:r>
+              <a:rPr lang="en-SG" b="1" dirty="0"/>
+              <a:t>Best Time to Buy and Sell Stock II</a:t>
+            </a:r>
+            <a:endParaRPr lang="en-US" sz="3200" dirty="0"/>
+          </a:p>
+        </p:txBody>
+      </p:sp>
+      <p:sp>
+        <p:nvSpPr>
+          <p:cNvPr id="6" name="Rectangle 5">
+            <a:extLst>
+              <a:ext uri="{FF2B5EF4-FFF2-40B4-BE49-F238E27FC236}">
+                <a16:creationId xmlns:a16="http://schemas.microsoft.com/office/drawing/2014/main" id="{7CD11517-CCEF-1E41-B26F-F847DF97303A}"/>
+              </a:ext>
+            </a:extLst>
+          </p:cNvPr>
+          <p:cNvSpPr/>
+          <p:nvPr/>
+        </p:nvSpPr>
+        <p:spPr>
+          <a:xfrm>
+            <a:off x="717889" y="1777690"/>
+            <a:ext cx="1931939" cy="369332"/>
+          </a:xfrm>
+          <a:prstGeom prst="rect">
+            <a:avLst/>
+          </a:prstGeom>
+        </p:spPr>
+        <p:txBody>
+          <a:bodyPr wrap="none">
+            <a:spAutoFit/>
+          </a:bodyPr>
+          <a:lstStyle/>
+          <a:p>
+            <a:r>
+              <a:rPr lang="en-SG" dirty="0"/>
+              <a:t>Input: [7,1,5,3,6,4]</a:t>
+            </a:r>
+            <a:endParaRPr lang="en-US" dirty="0"/>
+          </a:p>
+        </p:txBody>
+      </p:sp>
+      <p:sp>
+        <p:nvSpPr>
+          <p:cNvPr id="7" name="Rectangle 6">
+            <a:extLst>
+              <a:ext uri="{FF2B5EF4-FFF2-40B4-BE49-F238E27FC236}">
+                <a16:creationId xmlns:a16="http://schemas.microsoft.com/office/drawing/2014/main" id="{68E6E226-9646-C943-BD27-2D412AA6B585}"/>
+              </a:ext>
+            </a:extLst>
+          </p:cNvPr>
+          <p:cNvSpPr/>
+          <p:nvPr/>
+        </p:nvSpPr>
+        <p:spPr>
+          <a:xfrm>
+            <a:off x="717889" y="2234024"/>
+            <a:ext cx="3464146" cy="830997"/>
+          </a:xfrm>
+          <a:prstGeom prst="rect">
+            <a:avLst/>
+          </a:prstGeom>
+        </p:spPr>
+        <p:txBody>
+          <a:bodyPr wrap="square">
+            <a:spAutoFit/>
+          </a:bodyPr>
+          <a:lstStyle/>
+          <a:p>
+            <a:r>
+              <a:rPr lang="en-US" sz="2400" dirty="0"/>
+              <a:t>How to find a Peak:</a:t>
+            </a:r>
+          </a:p>
+          <a:p>
+            <a:r>
+              <a:rPr lang="en-US" sz="2400" dirty="0"/>
+              <a:t>	</a:t>
+            </a:r>
+          </a:p>
+        </p:txBody>
+      </p:sp>
+      <p:pic>
+        <p:nvPicPr>
+          <p:cNvPr id="8" name="Picture 7">
+            <a:extLst>
+              <a:ext uri="{FF2B5EF4-FFF2-40B4-BE49-F238E27FC236}">
+                <a16:creationId xmlns:a16="http://schemas.microsoft.com/office/drawing/2014/main" id="{2C2BEDD6-7179-BF44-A282-2D5816CF74FF}"/>
               </a:ext>
             </a:extLst>
           </p:cNvPr>
@@ -4242,27 +4681,367 @@
           <p:nvPr/>
         </p:nvPicPr>
         <p:blipFill>
-          <a:blip r:embed="rId3"/>
+          <a:blip r:embed="rId2"/>
           <a:stretch>
             <a:fillRect/>
           </a:stretch>
         </p:blipFill>
         <p:spPr>
           <a:xfrm>
-            <a:off x="10376239" y="125972"/>
-            <a:ext cx="2061634" cy="1159669"/>
+            <a:off x="4362657" y="1460500"/>
+            <a:ext cx="6819900" cy="3937000"/>
           </a:xfrm>
           <a:prstGeom prst="rect">
             <a:avLst/>
           </a:prstGeom>
         </p:spPr>
       </p:pic>
+      <p:sp>
+        <p:nvSpPr>
+          <p:cNvPr id="10" name="Rectangle 9">
+            <a:extLst>
+              <a:ext uri="{FF2B5EF4-FFF2-40B4-BE49-F238E27FC236}">
+                <a16:creationId xmlns:a16="http://schemas.microsoft.com/office/drawing/2014/main" id="{54989CC5-6A0D-754E-A717-9F6517BB55B0}"/>
+              </a:ext>
+            </a:extLst>
+          </p:cNvPr>
+          <p:cNvSpPr/>
+          <p:nvPr/>
+        </p:nvSpPr>
+        <p:spPr>
+          <a:xfrm>
+            <a:off x="3383263" y="5569545"/>
+            <a:ext cx="7799294" cy="923330"/>
+          </a:xfrm>
+          <a:prstGeom prst="rect">
+            <a:avLst/>
+          </a:prstGeom>
+          <a:solidFill>
+            <a:schemeClr val="tx1">
+              <a:lumMod val="85000"/>
+              <a:lumOff val="15000"/>
+            </a:schemeClr>
+          </a:solidFill>
+        </p:spPr>
+        <p:txBody>
+          <a:bodyPr wrap="square">
+            <a:spAutoFit/>
+          </a:bodyPr>
+          <a:lstStyle/>
+          <a:p>
+            <a:r>
+              <a:rPr lang="en-SG" dirty="0">
+                <a:solidFill>
+                  <a:srgbClr val="C586C0"/>
+                </a:solidFill>
+                <a:latin typeface="Menlo" panose="020B0609030804020204" pitchFamily="49" charset="0"/>
+              </a:rPr>
+              <a:t>while</a:t>
+            </a:r>
+            <a:r>
+              <a:rPr lang="en-SG" dirty="0">
+                <a:solidFill>
+                  <a:srgbClr val="D4D4D4"/>
+                </a:solidFill>
+                <a:latin typeface="Menlo" panose="020B0609030804020204" pitchFamily="49" charset="0"/>
+              </a:rPr>
+              <a:t>((</a:t>
+            </a:r>
+            <a:r>
+              <a:rPr lang="en-SG" dirty="0" err="1">
+                <a:solidFill>
+                  <a:srgbClr val="D4D4D4"/>
+                </a:solidFill>
+                <a:latin typeface="Menlo" panose="020B0609030804020204" pitchFamily="49" charset="0"/>
+              </a:rPr>
+              <a:t>i</a:t>
+            </a:r>
+            <a:r>
+              <a:rPr lang="en-SG" dirty="0">
+                <a:solidFill>
+                  <a:srgbClr val="D4D4D4"/>
+                </a:solidFill>
+                <a:latin typeface="Menlo" panose="020B0609030804020204" pitchFamily="49" charset="0"/>
+              </a:rPr>
+              <a:t> &lt; </a:t>
+            </a:r>
+            <a:r>
+              <a:rPr lang="en-SG" dirty="0" err="1">
+                <a:solidFill>
+                  <a:srgbClr val="DCDCAA"/>
+                </a:solidFill>
+                <a:latin typeface="Menlo" panose="020B0609030804020204" pitchFamily="49" charset="0"/>
+              </a:rPr>
+              <a:t>len</a:t>
+            </a:r>
+            <a:r>
+              <a:rPr lang="en-SG" dirty="0">
+                <a:solidFill>
+                  <a:srgbClr val="D4D4D4"/>
+                </a:solidFill>
+                <a:latin typeface="Menlo" panose="020B0609030804020204" pitchFamily="49" charset="0"/>
+              </a:rPr>
+              <a:t>(prices)-</a:t>
+            </a:r>
+            <a:r>
+              <a:rPr lang="en-SG" dirty="0">
+                <a:solidFill>
+                  <a:srgbClr val="B5CEA8"/>
+                </a:solidFill>
+                <a:latin typeface="Menlo" panose="020B0609030804020204" pitchFamily="49" charset="0"/>
+              </a:rPr>
+              <a:t>1</a:t>
+            </a:r>
+            <a:r>
+              <a:rPr lang="en-SG" dirty="0">
+                <a:solidFill>
+                  <a:srgbClr val="D4D4D4"/>
+                </a:solidFill>
+                <a:latin typeface="Menlo" panose="020B0609030804020204" pitchFamily="49" charset="0"/>
+              </a:rPr>
+              <a:t>)</a:t>
+            </a:r>
+            <a:r>
+              <a:rPr lang="en-SG" dirty="0">
+                <a:solidFill>
+                  <a:srgbClr val="569CD6"/>
+                </a:solidFill>
+                <a:latin typeface="Menlo" panose="020B0609030804020204" pitchFamily="49" charset="0"/>
+              </a:rPr>
+              <a:t>and</a:t>
+            </a:r>
+            <a:r>
+              <a:rPr lang="en-SG" dirty="0">
+                <a:solidFill>
+                  <a:srgbClr val="D4D4D4"/>
+                </a:solidFill>
+                <a:latin typeface="Menlo" panose="020B0609030804020204" pitchFamily="49" charset="0"/>
+              </a:rPr>
+              <a:t> prices[</a:t>
+            </a:r>
+            <a:r>
+              <a:rPr lang="en-SG" dirty="0" err="1">
+                <a:solidFill>
+                  <a:srgbClr val="D4D4D4"/>
+                </a:solidFill>
+                <a:latin typeface="Menlo" panose="020B0609030804020204" pitchFamily="49" charset="0"/>
+              </a:rPr>
+              <a:t>i</a:t>
+            </a:r>
+            <a:r>
+              <a:rPr lang="en-SG" dirty="0">
+                <a:solidFill>
+                  <a:srgbClr val="D4D4D4"/>
+                </a:solidFill>
+                <a:latin typeface="Menlo" panose="020B0609030804020204" pitchFamily="49" charset="0"/>
+              </a:rPr>
+              <a:t>] &lt;= prices[i+</a:t>
+            </a:r>
+            <a:r>
+              <a:rPr lang="en-SG" dirty="0">
+                <a:solidFill>
+                  <a:srgbClr val="B5CEA8"/>
+                </a:solidFill>
+                <a:latin typeface="Menlo" panose="020B0609030804020204" pitchFamily="49" charset="0"/>
+              </a:rPr>
+              <a:t>1</a:t>
+            </a:r>
+            <a:r>
+              <a:rPr lang="en-SG" dirty="0">
+                <a:solidFill>
+                  <a:srgbClr val="D4D4D4"/>
+                </a:solidFill>
+                <a:latin typeface="Menlo" panose="020B0609030804020204" pitchFamily="49" charset="0"/>
+              </a:rPr>
+              <a:t>]):</a:t>
+            </a:r>
+          </a:p>
+          <a:p>
+            <a:pPr lvl="1"/>
+            <a:r>
+              <a:rPr lang="en-SG" dirty="0" err="1">
+                <a:solidFill>
+                  <a:srgbClr val="D4D4D4"/>
+                </a:solidFill>
+                <a:latin typeface="Menlo" panose="020B0609030804020204" pitchFamily="49" charset="0"/>
+              </a:rPr>
+              <a:t>i</a:t>
+            </a:r>
+            <a:r>
+              <a:rPr lang="en-SG" dirty="0">
+                <a:solidFill>
+                  <a:srgbClr val="D4D4D4"/>
+                </a:solidFill>
+                <a:latin typeface="Menlo" panose="020B0609030804020204" pitchFamily="49" charset="0"/>
+              </a:rPr>
+              <a:t> += </a:t>
+            </a:r>
+            <a:r>
+              <a:rPr lang="en-SG" dirty="0">
+                <a:solidFill>
+                  <a:srgbClr val="B5CEA8"/>
+                </a:solidFill>
+                <a:latin typeface="Menlo" panose="020B0609030804020204" pitchFamily="49" charset="0"/>
+              </a:rPr>
+              <a:t>1</a:t>
+            </a:r>
+            <a:endParaRPr lang="en-SG" dirty="0">
+              <a:solidFill>
+                <a:srgbClr val="D4D4D4"/>
+              </a:solidFill>
+              <a:latin typeface="Menlo" panose="020B0609030804020204" pitchFamily="49" charset="0"/>
+            </a:endParaRPr>
+          </a:p>
+          <a:p>
+            <a:pPr lvl="1"/>
+            <a:r>
+              <a:rPr lang="en-SG" dirty="0">
+                <a:solidFill>
+                  <a:srgbClr val="D4D4D4"/>
+                </a:solidFill>
+                <a:latin typeface="Menlo" panose="020B0609030804020204" pitchFamily="49" charset="0"/>
+              </a:rPr>
+              <a:t>peak = prices[</a:t>
+            </a:r>
+            <a:r>
+              <a:rPr lang="en-SG" dirty="0" err="1">
+                <a:solidFill>
+                  <a:srgbClr val="D4D4D4"/>
+                </a:solidFill>
+                <a:latin typeface="Menlo" panose="020B0609030804020204" pitchFamily="49" charset="0"/>
+              </a:rPr>
+              <a:t>i</a:t>
+            </a:r>
+            <a:r>
+              <a:rPr lang="en-SG" dirty="0">
+                <a:solidFill>
+                  <a:srgbClr val="D4D4D4"/>
+                </a:solidFill>
+                <a:latin typeface="Menlo" panose="020B0609030804020204" pitchFamily="49" charset="0"/>
+              </a:rPr>
+              <a:t>]</a:t>
+            </a:r>
+            <a:endParaRPr lang="en-SG" b="0" dirty="0">
+              <a:solidFill>
+                <a:srgbClr val="D4D4D4"/>
+              </a:solidFill>
+              <a:effectLst/>
+              <a:latin typeface="Menlo" panose="020B0609030804020204" pitchFamily="49" charset="0"/>
+            </a:endParaRPr>
+          </a:p>
+        </p:txBody>
+      </p:sp>
+    </p:spTree>
+    <p:extLst>
+      <p:ext uri="{BB962C8B-B14F-4D97-AF65-F5344CB8AC3E}">
+        <p14:creationId xmlns:p14="http://schemas.microsoft.com/office/powerpoint/2010/main" val="120034128"/>
+      </p:ext>
+    </p:extLst>
+  </p:cSld>
+  <p:clrMapOvr>
+    <a:masterClrMapping/>
+  </p:clrMapOvr>
+</p:sld>
+</file>
+
+<file path=ppt/slides/slide5.xml><?xml version="1.0" encoding="utf-8"?>
+<p:sld xmlns:a="http://schemas.openxmlformats.org/drawingml/2006/main" xmlns:r="http://schemas.openxmlformats.org/officeDocument/2006/relationships" xmlns:p="http://schemas.openxmlformats.org/presentationml/2006/main">
+  <p:cSld>
+    <p:spTree>
+      <p:nvGrpSpPr>
+        <p:cNvPr id="1" name=""/>
+        <p:cNvGrpSpPr/>
+        <p:nvPr/>
+      </p:nvGrpSpPr>
+      <p:grpSpPr>
+        <a:xfrm>
+          <a:off x="0" y="0"/>
+          <a:ext cx="0" cy="0"/>
+          <a:chOff x="0" y="0"/>
+          <a:chExt cx="0" cy="0"/>
+        </a:xfrm>
+      </p:grpSpPr>
+      <p:sp>
+        <p:nvSpPr>
+          <p:cNvPr id="2" name="Title 1">
+            <a:extLst>
+              <a:ext uri="{FF2B5EF4-FFF2-40B4-BE49-F238E27FC236}">
+                <a16:creationId xmlns:a16="http://schemas.microsoft.com/office/drawing/2014/main" id="{429A5C7E-49E7-9744-BB9B-86F948A3AFAF}"/>
+              </a:ext>
+            </a:extLst>
+          </p:cNvPr>
+          <p:cNvSpPr>
+            <a:spLocks noGrp="1"/>
+          </p:cNvSpPr>
+          <p:nvPr>
+            <p:ph type="title"/>
+          </p:nvPr>
+        </p:nvSpPr>
+        <p:spPr/>
+        <p:txBody>
+          <a:bodyPr>
+            <a:normAutofit/>
+          </a:bodyPr>
+          <a:lstStyle/>
+          <a:p>
+            <a:r>
+              <a:rPr lang="en-SG" b="1" dirty="0"/>
+              <a:t>Best Time to Buy and Sell Stock II</a:t>
+            </a:r>
+            <a:endParaRPr lang="en-US" sz="3200" dirty="0"/>
+          </a:p>
+        </p:txBody>
+      </p:sp>
+      <p:sp>
+        <p:nvSpPr>
+          <p:cNvPr id="6" name="Rectangle 5">
+            <a:extLst>
+              <a:ext uri="{FF2B5EF4-FFF2-40B4-BE49-F238E27FC236}">
+                <a16:creationId xmlns:a16="http://schemas.microsoft.com/office/drawing/2014/main" id="{7CD11517-CCEF-1E41-B26F-F847DF97303A}"/>
+              </a:ext>
+            </a:extLst>
+          </p:cNvPr>
+          <p:cNvSpPr/>
+          <p:nvPr/>
+        </p:nvSpPr>
+        <p:spPr>
+          <a:xfrm>
+            <a:off x="8530631" y="1886181"/>
+            <a:ext cx="2651688" cy="923330"/>
+          </a:xfrm>
+          <a:prstGeom prst="rect">
+            <a:avLst/>
+          </a:prstGeom>
+        </p:spPr>
+        <p:txBody>
+          <a:bodyPr wrap="none">
+            <a:spAutoFit/>
+          </a:bodyPr>
+          <a:lstStyle/>
+          <a:p>
+            <a:r>
+              <a:rPr lang="en-SG" dirty="0"/>
+              <a:t>Input: [1, 7, 2, 3, 6, 7, 6, 7]</a:t>
+            </a:r>
+          </a:p>
+          <a:p>
+            <a:endParaRPr lang="en-SG" dirty="0"/>
+          </a:p>
+          <a:p>
+            <a:r>
+              <a:rPr lang="en-SG" dirty="0"/>
+              <a:t>How to find a Peak</a:t>
+            </a:r>
+            <a:endParaRPr lang="en-US" dirty="0"/>
+          </a:p>
+        </p:txBody>
+      </p:sp>
       <p:pic>
         <p:nvPicPr>
-          <p:cNvPr id="5" name="Picture 4">
-            <a:extLst>
-              <a:ext uri="{FF2B5EF4-FFF2-40B4-BE49-F238E27FC236}">
-                <a16:creationId xmlns:a16="http://schemas.microsoft.com/office/drawing/2014/main" id="{2FB2CDA7-127B-8F4F-97EC-49CA2DDCC031}"/>
+          <p:cNvPr id="9" name="Picture 8">
+            <a:extLst>
+              <a:ext uri="{FF2B5EF4-FFF2-40B4-BE49-F238E27FC236}">
+                <a16:creationId xmlns:a16="http://schemas.microsoft.com/office/drawing/2014/main" id="{7385BFDA-6AFA-5543-9796-46517D6E8C96}"/>
               </a:ext>
             </a:extLst>
           </p:cNvPr>
@@ -4272,15 +5051,15 @@
           <p:nvPr/>
         </p:nvPicPr>
         <p:blipFill>
-          <a:blip r:embed="rId4"/>
+          <a:blip r:embed="rId2"/>
           <a:stretch>
             <a:fillRect/>
           </a:stretch>
         </p:blipFill>
         <p:spPr>
           <a:xfrm>
-            <a:off x="784944" y="1285641"/>
-            <a:ext cx="11088685" cy="5123328"/>
+            <a:off x="1822450" y="1499768"/>
+            <a:ext cx="4965700" cy="381000"/>
           </a:xfrm>
           <a:prstGeom prst="rect">
             <a:avLst/>
@@ -4290,7 +5069,7 @@
     </p:spTree>
     <p:extLst>
       <p:ext uri="{BB962C8B-B14F-4D97-AF65-F5344CB8AC3E}">
-        <p14:creationId xmlns:p14="http://schemas.microsoft.com/office/powerpoint/2010/main" val="3493979630"/>
+        <p14:creationId xmlns:p14="http://schemas.microsoft.com/office/powerpoint/2010/main" val="314750983"/>
       </p:ext>
     </p:extLst>
   </p:cSld>

--- a/30DaysCodeChallenges.pptx
+++ b/30DaysCodeChallenges.pptx
@@ -5,14 +5,17 @@
     <p:sldMasterId id="2147483648" r:id="rId1"/>
   </p:sldMasterIdLst>
   <p:notesMasterIdLst>
-    <p:notesMasterId r:id="rId7"/>
+    <p:notesMasterId r:id="rId10"/>
   </p:notesMasterIdLst>
   <p:sldIdLst>
     <p:sldId id="256" r:id="rId2"/>
     <p:sldId id="257" r:id="rId3"/>
     <p:sldId id="259" r:id="rId4"/>
     <p:sldId id="260" r:id="rId5"/>
-    <p:sldId id="258" r:id="rId6"/>
+    <p:sldId id="261" r:id="rId6"/>
+    <p:sldId id="258" r:id="rId7"/>
+    <p:sldId id="262" r:id="rId8"/>
+    <p:sldId id="263" r:id="rId9"/>
   </p:sldIdLst>
   <p:sldSz cx="12192000" cy="6858000"/>
   <p:notesSz cx="6858000" cy="9144000"/>
@@ -201,7 +204,7 @@
           <a:p>
             <a:fld id="{C16772A7-E0FC-3145-8585-A82DA55A5D81}" type="datetimeFigureOut">
               <a:rPr lang="en-US" smtClean="0"/>
-              <a:t>5/11/20</a:t>
+              <a:t>5/12/20</a:t>
             </a:fld>
             <a:endParaRPr lang="en-US"/>
           </a:p>
@@ -469,6 +472,180 @@
 </p:notesMaster>
 </file>
 
+<file path=ppt/notesSlides/notesSlide1.xml><?xml version="1.0" encoding="utf-8"?>
+<p:notes xmlns:a="http://schemas.openxmlformats.org/drawingml/2006/main" xmlns:r="http://schemas.openxmlformats.org/officeDocument/2006/relationships" xmlns:p="http://schemas.openxmlformats.org/presentationml/2006/main">
+  <p:cSld>
+    <p:spTree>
+      <p:nvGrpSpPr>
+        <p:cNvPr id="1" name=""/>
+        <p:cNvGrpSpPr/>
+        <p:nvPr/>
+      </p:nvGrpSpPr>
+      <p:grpSpPr>
+        <a:xfrm>
+          <a:off x="0" y="0"/>
+          <a:ext cx="0" cy="0"/>
+          <a:chOff x="0" y="0"/>
+          <a:chExt cx="0" cy="0"/>
+        </a:xfrm>
+      </p:grpSpPr>
+      <p:sp>
+        <p:nvSpPr>
+          <p:cNvPr id="2" name="Slide Image Placeholder 1"/>
+          <p:cNvSpPr>
+            <a:spLocks noGrp="1" noRot="1" noChangeAspect="1"/>
+          </p:cNvSpPr>
+          <p:nvPr>
+            <p:ph type="sldImg"/>
+          </p:nvPr>
+        </p:nvSpPr>
+        <p:spPr/>
+      </p:sp>
+      <p:sp>
+        <p:nvSpPr>
+          <p:cNvPr id="3" name="Notes Placeholder 2"/>
+          <p:cNvSpPr>
+            <a:spLocks noGrp="1"/>
+          </p:cNvSpPr>
+          <p:nvPr>
+            <p:ph type="body" idx="1"/>
+          </p:nvPr>
+        </p:nvSpPr>
+        <p:spPr/>
+        <p:txBody>
+          <a:bodyPr/>
+          <a:lstStyle/>
+          <a:p>
+            <a:r>
+              <a:rPr lang="en-US" dirty="0"/>
+              <a:t>Live Code</a:t>
+            </a:r>
+          </a:p>
+        </p:txBody>
+      </p:sp>
+      <p:sp>
+        <p:nvSpPr>
+          <p:cNvPr id="4" name="Slide Number Placeholder 3"/>
+          <p:cNvSpPr>
+            <a:spLocks noGrp="1"/>
+          </p:cNvSpPr>
+          <p:nvPr>
+            <p:ph type="sldNum" sz="quarter" idx="5"/>
+          </p:nvPr>
+        </p:nvSpPr>
+        <p:spPr/>
+        <p:txBody>
+          <a:bodyPr/>
+          <a:lstStyle/>
+          <a:p>
+            <a:fld id="{E266C2CF-B691-B846-85E9-BB057D587CEE}" type="slidenum">
+              <a:rPr lang="en-US" smtClean="0"/>
+              <a:t>7</a:t>
+            </a:fld>
+            <a:endParaRPr lang="en-US"/>
+          </a:p>
+        </p:txBody>
+      </p:sp>
+    </p:spTree>
+    <p:extLst>
+      <p:ext uri="{BB962C8B-B14F-4D97-AF65-F5344CB8AC3E}">
+        <p14:creationId xmlns:p14="http://schemas.microsoft.com/office/powerpoint/2010/main" val="1052738152"/>
+      </p:ext>
+    </p:extLst>
+  </p:cSld>
+  <p:clrMapOvr>
+    <a:masterClrMapping/>
+  </p:clrMapOvr>
+</p:notes>
+</file>
+
+<file path=ppt/notesSlides/notesSlide2.xml><?xml version="1.0" encoding="utf-8"?>
+<p:notes xmlns:a="http://schemas.openxmlformats.org/drawingml/2006/main" xmlns:r="http://schemas.openxmlformats.org/officeDocument/2006/relationships" xmlns:p="http://schemas.openxmlformats.org/presentationml/2006/main">
+  <p:cSld>
+    <p:spTree>
+      <p:nvGrpSpPr>
+        <p:cNvPr id="1" name=""/>
+        <p:cNvGrpSpPr/>
+        <p:nvPr/>
+      </p:nvGrpSpPr>
+      <p:grpSpPr>
+        <a:xfrm>
+          <a:off x="0" y="0"/>
+          <a:ext cx="0" cy="0"/>
+          <a:chOff x="0" y="0"/>
+          <a:chExt cx="0" cy="0"/>
+        </a:xfrm>
+      </p:grpSpPr>
+      <p:sp>
+        <p:nvSpPr>
+          <p:cNvPr id="2" name="Slide Image Placeholder 1"/>
+          <p:cNvSpPr>
+            <a:spLocks noGrp="1" noRot="1" noChangeAspect="1"/>
+          </p:cNvSpPr>
+          <p:nvPr>
+            <p:ph type="sldImg"/>
+          </p:nvPr>
+        </p:nvSpPr>
+        <p:spPr/>
+      </p:sp>
+      <p:sp>
+        <p:nvSpPr>
+          <p:cNvPr id="3" name="Notes Placeholder 2"/>
+          <p:cNvSpPr>
+            <a:spLocks noGrp="1"/>
+          </p:cNvSpPr>
+          <p:nvPr>
+            <p:ph type="body" idx="1"/>
+          </p:nvPr>
+        </p:nvSpPr>
+        <p:spPr/>
+        <p:txBody>
+          <a:bodyPr/>
+          <a:lstStyle/>
+          <a:p>
+            <a:r>
+              <a:rPr lang="en-US" dirty="0"/>
+              <a:t>Live Code</a:t>
+            </a:r>
+          </a:p>
+        </p:txBody>
+      </p:sp>
+      <p:sp>
+        <p:nvSpPr>
+          <p:cNvPr id="4" name="Slide Number Placeholder 3"/>
+          <p:cNvSpPr>
+            <a:spLocks noGrp="1"/>
+          </p:cNvSpPr>
+          <p:nvPr>
+            <p:ph type="sldNum" sz="quarter" idx="5"/>
+          </p:nvPr>
+        </p:nvSpPr>
+        <p:spPr/>
+        <p:txBody>
+          <a:bodyPr/>
+          <a:lstStyle/>
+          <a:p>
+            <a:fld id="{E266C2CF-B691-B846-85E9-BB057D587CEE}" type="slidenum">
+              <a:rPr lang="en-US" smtClean="0"/>
+              <a:t>8</a:t>
+            </a:fld>
+            <a:endParaRPr lang="en-US"/>
+          </a:p>
+        </p:txBody>
+      </p:sp>
+    </p:spTree>
+    <p:extLst>
+      <p:ext uri="{BB962C8B-B14F-4D97-AF65-F5344CB8AC3E}">
+        <p14:creationId xmlns:p14="http://schemas.microsoft.com/office/powerpoint/2010/main" val="3790502816"/>
+      </p:ext>
+    </p:extLst>
+  </p:cSld>
+  <p:clrMapOvr>
+    <a:masterClrMapping/>
+  </p:clrMapOvr>
+</p:notes>
+</file>
+
 <file path=ppt/slideLayouts/slideLayout1.xml><?xml version="1.0" encoding="utf-8"?>
 <p:sldLayout xmlns:a="http://schemas.openxmlformats.org/drawingml/2006/main" xmlns:r="http://schemas.openxmlformats.org/officeDocument/2006/relationships" xmlns:p="http://schemas.openxmlformats.org/presentationml/2006/main" type="title" preserve="1">
   <p:cSld name="Title Slide">
@@ -618,7 +795,7 @@
           <a:p>
             <a:fld id="{B02BE032-EC6F-1F44-8F1C-022A9A50A990}" type="datetimeFigureOut">
               <a:rPr lang="en-US" smtClean="0"/>
-              <a:t>5/11/20</a:t>
+              <a:t>5/12/20</a:t>
             </a:fld>
             <a:endParaRPr lang="en-US"/>
           </a:p>
@@ -818,7 +995,7 @@
           <a:p>
             <a:fld id="{B02BE032-EC6F-1F44-8F1C-022A9A50A990}" type="datetimeFigureOut">
               <a:rPr lang="en-US" smtClean="0"/>
-              <a:t>5/11/20</a:t>
+              <a:t>5/12/20</a:t>
             </a:fld>
             <a:endParaRPr lang="en-US"/>
           </a:p>
@@ -1028,7 +1205,7 @@
           <a:p>
             <a:fld id="{B02BE032-EC6F-1F44-8F1C-022A9A50A990}" type="datetimeFigureOut">
               <a:rPr lang="en-US" smtClean="0"/>
-              <a:t>5/11/20</a:t>
+              <a:t>5/12/20</a:t>
             </a:fld>
             <a:endParaRPr lang="en-US"/>
           </a:p>
@@ -1228,7 +1405,7 @@
           <a:p>
             <a:fld id="{B02BE032-EC6F-1F44-8F1C-022A9A50A990}" type="datetimeFigureOut">
               <a:rPr lang="en-US" smtClean="0"/>
-              <a:t>5/11/20</a:t>
+              <a:t>5/12/20</a:t>
             </a:fld>
             <a:endParaRPr lang="en-US"/>
           </a:p>
@@ -1504,7 +1681,7 @@
           <a:p>
             <a:fld id="{B02BE032-EC6F-1F44-8F1C-022A9A50A990}" type="datetimeFigureOut">
               <a:rPr lang="en-US" smtClean="0"/>
-              <a:t>5/11/20</a:t>
+              <a:t>5/12/20</a:t>
             </a:fld>
             <a:endParaRPr lang="en-US"/>
           </a:p>
@@ -1772,7 +1949,7 @@
           <a:p>
             <a:fld id="{B02BE032-EC6F-1F44-8F1C-022A9A50A990}" type="datetimeFigureOut">
               <a:rPr lang="en-US" smtClean="0"/>
-              <a:t>5/11/20</a:t>
+              <a:t>5/12/20</a:t>
             </a:fld>
             <a:endParaRPr lang="en-US"/>
           </a:p>
@@ -2187,7 +2364,7 @@
           <a:p>
             <a:fld id="{B02BE032-EC6F-1F44-8F1C-022A9A50A990}" type="datetimeFigureOut">
               <a:rPr lang="en-US" smtClean="0"/>
-              <a:t>5/11/20</a:t>
+              <a:t>5/12/20</a:t>
             </a:fld>
             <a:endParaRPr lang="en-US"/>
           </a:p>
@@ -2329,7 +2506,7 @@
           <a:p>
             <a:fld id="{B02BE032-EC6F-1F44-8F1C-022A9A50A990}" type="datetimeFigureOut">
               <a:rPr lang="en-US" smtClean="0"/>
-              <a:t>5/11/20</a:t>
+              <a:t>5/12/20</a:t>
             </a:fld>
             <a:endParaRPr lang="en-US"/>
           </a:p>
@@ -2442,7 +2619,7 @@
           <a:p>
             <a:fld id="{B02BE032-EC6F-1F44-8F1C-022A9A50A990}" type="datetimeFigureOut">
               <a:rPr lang="en-US" smtClean="0"/>
-              <a:t>5/11/20</a:t>
+              <a:t>5/12/20</a:t>
             </a:fld>
             <a:endParaRPr lang="en-US"/>
           </a:p>
@@ -2755,7 +2932,7 @@
           <a:p>
             <a:fld id="{B02BE032-EC6F-1F44-8F1C-022A9A50A990}" type="datetimeFigureOut">
               <a:rPr lang="en-US" smtClean="0"/>
-              <a:t>5/11/20</a:t>
+              <a:t>5/12/20</a:t>
             </a:fld>
             <a:endParaRPr lang="en-US"/>
           </a:p>
@@ -3044,7 +3221,7 @@
           <a:p>
             <a:fld id="{B02BE032-EC6F-1F44-8F1C-022A9A50A990}" type="datetimeFigureOut">
               <a:rPr lang="en-US" smtClean="0"/>
-              <a:t>5/11/20</a:t>
+              <a:t>5/12/20</a:t>
             </a:fld>
             <a:endParaRPr lang="en-US"/>
           </a:p>
@@ -3317,7 +3494,7 @@
           <a:p>
             <a:fld id="{B02BE032-EC6F-1F44-8F1C-022A9A50A990}" type="datetimeFigureOut">
               <a:rPr lang="en-US" smtClean="0"/>
-              <a:t>5/11/20</a:t>
+              <a:t>5/12/20</a:t>
             </a:fld>
             <a:endParaRPr lang="en-US"/>
           </a:p>
@@ -4317,8 +4494,8 @@
           </a:prstGeom>
           <a:solidFill>
             <a:schemeClr val="tx1">
-              <a:lumMod val="85000"/>
-              <a:lumOff val="15000"/>
+              <a:lumMod val="75000"/>
+              <a:lumOff val="25000"/>
             </a:schemeClr>
           </a:solidFill>
         </p:spPr>
@@ -4718,8 +4895,8 @@
           </a:prstGeom>
           <a:solidFill>
             <a:schemeClr val="tx1">
-              <a:lumMod val="85000"/>
-              <a:lumOff val="15000"/>
+              <a:lumMod val="75000"/>
+              <a:lumOff val="25000"/>
             </a:schemeClr>
           </a:solidFill>
         </p:spPr>
@@ -4994,10 +5171,10 @@
       </p:sp>
       <p:sp>
         <p:nvSpPr>
-          <p:cNvPr id="6" name="Rectangle 5">
-            <a:extLst>
-              <a:ext uri="{FF2B5EF4-FFF2-40B4-BE49-F238E27FC236}">
-                <a16:creationId xmlns:a16="http://schemas.microsoft.com/office/drawing/2014/main" id="{7CD11517-CCEF-1E41-B26F-F847DF97303A}"/>
+          <p:cNvPr id="7" name="Rectangle 6">
+            <a:extLst>
+              <a:ext uri="{FF2B5EF4-FFF2-40B4-BE49-F238E27FC236}">
+                <a16:creationId xmlns:a16="http://schemas.microsoft.com/office/drawing/2014/main" id="{68E6E226-9646-C943-BD27-2D412AA6B585}"/>
               </a:ext>
             </a:extLst>
           </p:cNvPr>
@@ -5006,42 +5183,681 @@
         </p:nvSpPr>
         <p:spPr>
           <a:xfrm>
-            <a:off x="8530631" y="1886181"/>
-            <a:ext cx="2651688" cy="923330"/>
+            <a:off x="690995" y="2475274"/>
+            <a:ext cx="6032534" cy="461665"/>
           </a:xfrm>
           <a:prstGeom prst="rect">
             <a:avLst/>
           </a:prstGeom>
         </p:spPr>
         <p:txBody>
-          <a:bodyPr wrap="none">
+          <a:bodyPr wrap="square">
             <a:spAutoFit/>
           </a:bodyPr>
           <a:lstStyle/>
           <a:p>
-            <a:r>
-              <a:rPr lang="en-SG" dirty="0"/>
-              <a:t>Input: [1, 7, 2, 3, 6, 7, 6, 7]</a:t>
-            </a:r>
-          </a:p>
-          <a:p>
-            <a:endParaRPr lang="en-SG" dirty="0"/>
-          </a:p>
-          <a:p>
-            <a:r>
-              <a:rPr lang="en-SG" dirty="0"/>
-              <a:t>How to find a Peak</a:t>
-            </a:r>
-            <a:endParaRPr lang="en-US" dirty="0"/>
+            <a:pPr marL="800100" lvl="1" indent="-342900">
+              <a:buFont typeface="Arial" panose="020B0604020202020204" pitchFamily="34" charset="0"/>
+              <a:buChar char="•"/>
+            </a:pPr>
+            <a:r>
+              <a:rPr lang="en-US" sz="2400" dirty="0"/>
+              <a:t>Valley (Local Min) Finding Algorithm </a:t>
+            </a:r>
+          </a:p>
+        </p:txBody>
+      </p:sp>
+      <p:sp>
+        <p:nvSpPr>
+          <p:cNvPr id="9" name="Rectangle 8">
+            <a:extLst>
+              <a:ext uri="{FF2B5EF4-FFF2-40B4-BE49-F238E27FC236}">
+                <a16:creationId xmlns:a16="http://schemas.microsoft.com/office/drawing/2014/main" id="{2B0A87EF-6AE0-6E4E-A109-426B1B516EEB}"/>
+              </a:ext>
+            </a:extLst>
+          </p:cNvPr>
+          <p:cNvSpPr/>
+          <p:nvPr/>
+        </p:nvSpPr>
+        <p:spPr>
+          <a:xfrm>
+            <a:off x="2044723" y="2959148"/>
+            <a:ext cx="7905744" cy="923330"/>
+          </a:xfrm>
+          <a:prstGeom prst="rect">
+            <a:avLst/>
+          </a:prstGeom>
+          <a:solidFill>
+            <a:schemeClr val="tx1">
+              <a:lumMod val="75000"/>
+              <a:lumOff val="25000"/>
+            </a:schemeClr>
+          </a:solidFill>
+        </p:spPr>
+        <p:txBody>
+          <a:bodyPr wrap="square">
+            <a:spAutoFit/>
+          </a:bodyPr>
+          <a:lstStyle/>
+          <a:p>
+            <a:r>
+              <a:rPr lang="en-SG" dirty="0">
+                <a:solidFill>
+                  <a:srgbClr val="C586C0"/>
+                </a:solidFill>
+                <a:latin typeface="Menlo" panose="020B0609030804020204" pitchFamily="49" charset="0"/>
+              </a:rPr>
+              <a:t>while</a:t>
+            </a:r>
+            <a:r>
+              <a:rPr lang="en-SG" dirty="0">
+                <a:solidFill>
+                  <a:srgbClr val="D4D4D4"/>
+                </a:solidFill>
+                <a:latin typeface="Menlo" panose="020B0609030804020204" pitchFamily="49" charset="0"/>
+              </a:rPr>
+              <a:t>((</a:t>
+            </a:r>
+            <a:r>
+              <a:rPr lang="en-SG" dirty="0" err="1">
+                <a:solidFill>
+                  <a:srgbClr val="D4D4D4"/>
+                </a:solidFill>
+                <a:latin typeface="Menlo" panose="020B0609030804020204" pitchFamily="49" charset="0"/>
+              </a:rPr>
+              <a:t>i</a:t>
+            </a:r>
+            <a:r>
+              <a:rPr lang="en-SG" dirty="0">
+                <a:solidFill>
+                  <a:srgbClr val="D4D4D4"/>
+                </a:solidFill>
+                <a:latin typeface="Menlo" panose="020B0609030804020204" pitchFamily="49" charset="0"/>
+              </a:rPr>
+              <a:t> &lt; </a:t>
+            </a:r>
+            <a:r>
+              <a:rPr lang="en-SG" dirty="0" err="1">
+                <a:solidFill>
+                  <a:srgbClr val="DCDCAA"/>
+                </a:solidFill>
+                <a:latin typeface="Menlo" panose="020B0609030804020204" pitchFamily="49" charset="0"/>
+              </a:rPr>
+              <a:t>len</a:t>
+            </a:r>
+            <a:r>
+              <a:rPr lang="en-SG" dirty="0">
+                <a:solidFill>
+                  <a:srgbClr val="D4D4D4"/>
+                </a:solidFill>
+                <a:latin typeface="Menlo" panose="020B0609030804020204" pitchFamily="49" charset="0"/>
+              </a:rPr>
+              <a:t>(prices)-</a:t>
+            </a:r>
+            <a:r>
+              <a:rPr lang="en-SG" dirty="0">
+                <a:solidFill>
+                  <a:srgbClr val="B5CEA8"/>
+                </a:solidFill>
+                <a:latin typeface="Menlo" panose="020B0609030804020204" pitchFamily="49" charset="0"/>
+              </a:rPr>
+              <a:t>1</a:t>
+            </a:r>
+            <a:r>
+              <a:rPr lang="en-SG" dirty="0">
+                <a:solidFill>
+                  <a:srgbClr val="D4D4D4"/>
+                </a:solidFill>
+                <a:latin typeface="Menlo" panose="020B0609030804020204" pitchFamily="49" charset="0"/>
+              </a:rPr>
+              <a:t>)</a:t>
+            </a:r>
+            <a:r>
+              <a:rPr lang="en-SG" dirty="0">
+                <a:solidFill>
+                  <a:srgbClr val="569CD6"/>
+                </a:solidFill>
+                <a:latin typeface="Menlo" panose="020B0609030804020204" pitchFamily="49" charset="0"/>
+              </a:rPr>
+              <a:t>and</a:t>
+            </a:r>
+            <a:r>
+              <a:rPr lang="en-SG" dirty="0">
+                <a:solidFill>
+                  <a:srgbClr val="D4D4D4"/>
+                </a:solidFill>
+                <a:latin typeface="Menlo" panose="020B0609030804020204" pitchFamily="49" charset="0"/>
+              </a:rPr>
+              <a:t> prices[</a:t>
+            </a:r>
+            <a:r>
+              <a:rPr lang="en-SG" dirty="0" err="1">
+                <a:solidFill>
+                  <a:srgbClr val="D4D4D4"/>
+                </a:solidFill>
+                <a:latin typeface="Menlo" panose="020B0609030804020204" pitchFamily="49" charset="0"/>
+              </a:rPr>
+              <a:t>i</a:t>
+            </a:r>
+            <a:r>
+              <a:rPr lang="en-SG" dirty="0">
+                <a:solidFill>
+                  <a:srgbClr val="D4D4D4"/>
+                </a:solidFill>
+                <a:latin typeface="Menlo" panose="020B0609030804020204" pitchFamily="49" charset="0"/>
+              </a:rPr>
+              <a:t>] &gt;= prices[i+</a:t>
+            </a:r>
+            <a:r>
+              <a:rPr lang="en-SG" dirty="0">
+                <a:solidFill>
+                  <a:srgbClr val="B5CEA8"/>
+                </a:solidFill>
+                <a:latin typeface="Menlo" panose="020B0609030804020204" pitchFamily="49" charset="0"/>
+              </a:rPr>
+              <a:t>1</a:t>
+            </a:r>
+            <a:r>
+              <a:rPr lang="en-SG" dirty="0">
+                <a:solidFill>
+                  <a:srgbClr val="D4D4D4"/>
+                </a:solidFill>
+                <a:latin typeface="Menlo" panose="020B0609030804020204" pitchFamily="49" charset="0"/>
+              </a:rPr>
+              <a:t>]):</a:t>
+            </a:r>
+          </a:p>
+          <a:p>
+            <a:pPr lvl="1"/>
+            <a:r>
+              <a:rPr lang="en-SG" dirty="0" err="1">
+                <a:solidFill>
+                  <a:srgbClr val="D4D4D4"/>
+                </a:solidFill>
+                <a:latin typeface="Menlo" panose="020B0609030804020204" pitchFamily="49" charset="0"/>
+              </a:rPr>
+              <a:t>i</a:t>
+            </a:r>
+            <a:r>
+              <a:rPr lang="en-SG" dirty="0">
+                <a:solidFill>
+                  <a:srgbClr val="D4D4D4"/>
+                </a:solidFill>
+                <a:latin typeface="Menlo" panose="020B0609030804020204" pitchFamily="49" charset="0"/>
+              </a:rPr>
+              <a:t> += </a:t>
+            </a:r>
+            <a:r>
+              <a:rPr lang="en-SG" dirty="0">
+                <a:solidFill>
+                  <a:srgbClr val="B5CEA8"/>
+                </a:solidFill>
+                <a:latin typeface="Menlo" panose="020B0609030804020204" pitchFamily="49" charset="0"/>
+              </a:rPr>
+              <a:t>1</a:t>
+            </a:r>
+            <a:endParaRPr lang="en-SG" dirty="0">
+              <a:solidFill>
+                <a:srgbClr val="D4D4D4"/>
+              </a:solidFill>
+              <a:latin typeface="Menlo" panose="020B0609030804020204" pitchFamily="49" charset="0"/>
+            </a:endParaRPr>
+          </a:p>
+          <a:p>
+            <a:pPr lvl="1"/>
+            <a:r>
+              <a:rPr lang="en-SG" dirty="0">
+                <a:solidFill>
+                  <a:srgbClr val="D4D4D4"/>
+                </a:solidFill>
+                <a:latin typeface="Menlo" panose="020B0609030804020204" pitchFamily="49" charset="0"/>
+              </a:rPr>
+              <a:t>valley = prices[</a:t>
+            </a:r>
+            <a:r>
+              <a:rPr lang="en-SG" dirty="0" err="1">
+                <a:solidFill>
+                  <a:srgbClr val="D4D4D4"/>
+                </a:solidFill>
+                <a:latin typeface="Menlo" panose="020B0609030804020204" pitchFamily="49" charset="0"/>
+              </a:rPr>
+              <a:t>i</a:t>
+            </a:r>
+            <a:r>
+              <a:rPr lang="en-SG" dirty="0">
+                <a:solidFill>
+                  <a:srgbClr val="D4D4D4"/>
+                </a:solidFill>
+                <a:latin typeface="Menlo" panose="020B0609030804020204" pitchFamily="49" charset="0"/>
+              </a:rPr>
+              <a:t>]</a:t>
+            </a:r>
+            <a:endParaRPr lang="en-SG" b="0" dirty="0">
+              <a:solidFill>
+                <a:srgbClr val="D4D4D4"/>
+              </a:solidFill>
+              <a:effectLst/>
+              <a:latin typeface="Menlo" panose="020B0609030804020204" pitchFamily="49" charset="0"/>
+            </a:endParaRPr>
+          </a:p>
+        </p:txBody>
+      </p:sp>
+      <p:sp>
+        <p:nvSpPr>
+          <p:cNvPr id="11" name="Rectangle 10">
+            <a:extLst>
+              <a:ext uri="{FF2B5EF4-FFF2-40B4-BE49-F238E27FC236}">
+                <a16:creationId xmlns:a16="http://schemas.microsoft.com/office/drawing/2014/main" id="{92A04ED9-F50F-0F42-AF18-4366BBF0E158}"/>
+              </a:ext>
+            </a:extLst>
+          </p:cNvPr>
+          <p:cNvSpPr/>
+          <p:nvPr/>
+        </p:nvSpPr>
+        <p:spPr>
+          <a:xfrm>
+            <a:off x="690995" y="3949912"/>
+            <a:ext cx="6032534" cy="461665"/>
+          </a:xfrm>
+          <a:prstGeom prst="rect">
+            <a:avLst/>
+          </a:prstGeom>
+        </p:spPr>
+        <p:txBody>
+          <a:bodyPr wrap="square">
+            <a:spAutoFit/>
+          </a:bodyPr>
+          <a:lstStyle/>
+          <a:p>
+            <a:pPr marL="800100" lvl="1" indent="-342900">
+              <a:buFont typeface="Arial" panose="020B0604020202020204" pitchFamily="34" charset="0"/>
+              <a:buChar char="•"/>
+            </a:pPr>
+            <a:r>
+              <a:rPr lang="en-US" sz="2400" dirty="0"/>
+              <a:t>Peak (Local Max) Finding Algorithm </a:t>
+            </a:r>
+          </a:p>
+        </p:txBody>
+      </p:sp>
+      <p:sp>
+        <p:nvSpPr>
+          <p:cNvPr id="12" name="Rectangle 11">
+            <a:extLst>
+              <a:ext uri="{FF2B5EF4-FFF2-40B4-BE49-F238E27FC236}">
+                <a16:creationId xmlns:a16="http://schemas.microsoft.com/office/drawing/2014/main" id="{469E28A9-74E5-EB41-A078-CC366ABAA36A}"/>
+              </a:ext>
+            </a:extLst>
+          </p:cNvPr>
+          <p:cNvSpPr/>
+          <p:nvPr/>
+        </p:nvSpPr>
+        <p:spPr>
+          <a:xfrm>
+            <a:off x="2044723" y="4541727"/>
+            <a:ext cx="7799294" cy="923330"/>
+          </a:xfrm>
+          <a:prstGeom prst="rect">
+            <a:avLst/>
+          </a:prstGeom>
+          <a:solidFill>
+            <a:schemeClr val="tx1">
+              <a:lumMod val="75000"/>
+              <a:lumOff val="25000"/>
+            </a:schemeClr>
+          </a:solidFill>
+        </p:spPr>
+        <p:txBody>
+          <a:bodyPr wrap="square">
+            <a:spAutoFit/>
+          </a:bodyPr>
+          <a:lstStyle/>
+          <a:p>
+            <a:r>
+              <a:rPr lang="en-SG" dirty="0">
+                <a:solidFill>
+                  <a:srgbClr val="C586C0"/>
+                </a:solidFill>
+                <a:latin typeface="Menlo" panose="020B0609030804020204" pitchFamily="49" charset="0"/>
+              </a:rPr>
+              <a:t>while</a:t>
+            </a:r>
+            <a:r>
+              <a:rPr lang="en-SG" dirty="0">
+                <a:solidFill>
+                  <a:srgbClr val="D4D4D4"/>
+                </a:solidFill>
+                <a:latin typeface="Menlo" panose="020B0609030804020204" pitchFamily="49" charset="0"/>
+              </a:rPr>
+              <a:t>((</a:t>
+            </a:r>
+            <a:r>
+              <a:rPr lang="en-SG" dirty="0" err="1">
+                <a:solidFill>
+                  <a:srgbClr val="D4D4D4"/>
+                </a:solidFill>
+                <a:latin typeface="Menlo" panose="020B0609030804020204" pitchFamily="49" charset="0"/>
+              </a:rPr>
+              <a:t>i</a:t>
+            </a:r>
+            <a:r>
+              <a:rPr lang="en-SG" dirty="0">
+                <a:solidFill>
+                  <a:srgbClr val="D4D4D4"/>
+                </a:solidFill>
+                <a:latin typeface="Menlo" panose="020B0609030804020204" pitchFamily="49" charset="0"/>
+              </a:rPr>
+              <a:t> &lt; </a:t>
+            </a:r>
+            <a:r>
+              <a:rPr lang="en-SG" dirty="0" err="1">
+                <a:solidFill>
+                  <a:srgbClr val="DCDCAA"/>
+                </a:solidFill>
+                <a:latin typeface="Menlo" panose="020B0609030804020204" pitchFamily="49" charset="0"/>
+              </a:rPr>
+              <a:t>len</a:t>
+            </a:r>
+            <a:r>
+              <a:rPr lang="en-SG" dirty="0">
+                <a:solidFill>
+                  <a:srgbClr val="D4D4D4"/>
+                </a:solidFill>
+                <a:latin typeface="Menlo" panose="020B0609030804020204" pitchFamily="49" charset="0"/>
+              </a:rPr>
+              <a:t>(prices)-</a:t>
+            </a:r>
+            <a:r>
+              <a:rPr lang="en-SG" dirty="0">
+                <a:solidFill>
+                  <a:srgbClr val="B5CEA8"/>
+                </a:solidFill>
+                <a:latin typeface="Menlo" panose="020B0609030804020204" pitchFamily="49" charset="0"/>
+              </a:rPr>
+              <a:t>1</a:t>
+            </a:r>
+            <a:r>
+              <a:rPr lang="en-SG" dirty="0">
+                <a:solidFill>
+                  <a:srgbClr val="D4D4D4"/>
+                </a:solidFill>
+                <a:latin typeface="Menlo" panose="020B0609030804020204" pitchFamily="49" charset="0"/>
+              </a:rPr>
+              <a:t>)</a:t>
+            </a:r>
+            <a:r>
+              <a:rPr lang="en-SG" dirty="0">
+                <a:solidFill>
+                  <a:srgbClr val="569CD6"/>
+                </a:solidFill>
+                <a:latin typeface="Menlo" panose="020B0609030804020204" pitchFamily="49" charset="0"/>
+              </a:rPr>
+              <a:t>and</a:t>
+            </a:r>
+            <a:r>
+              <a:rPr lang="en-SG" dirty="0">
+                <a:solidFill>
+                  <a:srgbClr val="D4D4D4"/>
+                </a:solidFill>
+                <a:latin typeface="Menlo" panose="020B0609030804020204" pitchFamily="49" charset="0"/>
+              </a:rPr>
+              <a:t> prices[</a:t>
+            </a:r>
+            <a:r>
+              <a:rPr lang="en-SG" dirty="0" err="1">
+                <a:solidFill>
+                  <a:srgbClr val="D4D4D4"/>
+                </a:solidFill>
+                <a:latin typeface="Menlo" panose="020B0609030804020204" pitchFamily="49" charset="0"/>
+              </a:rPr>
+              <a:t>i</a:t>
+            </a:r>
+            <a:r>
+              <a:rPr lang="en-SG" dirty="0">
+                <a:solidFill>
+                  <a:srgbClr val="D4D4D4"/>
+                </a:solidFill>
+                <a:latin typeface="Menlo" panose="020B0609030804020204" pitchFamily="49" charset="0"/>
+              </a:rPr>
+              <a:t>] &lt;= prices[i+</a:t>
+            </a:r>
+            <a:r>
+              <a:rPr lang="en-SG" dirty="0">
+                <a:solidFill>
+                  <a:srgbClr val="B5CEA8"/>
+                </a:solidFill>
+                <a:latin typeface="Menlo" panose="020B0609030804020204" pitchFamily="49" charset="0"/>
+              </a:rPr>
+              <a:t>1</a:t>
+            </a:r>
+            <a:r>
+              <a:rPr lang="en-SG" dirty="0">
+                <a:solidFill>
+                  <a:srgbClr val="D4D4D4"/>
+                </a:solidFill>
+                <a:latin typeface="Menlo" panose="020B0609030804020204" pitchFamily="49" charset="0"/>
+              </a:rPr>
+              <a:t>]):</a:t>
+            </a:r>
+          </a:p>
+          <a:p>
+            <a:pPr lvl="1"/>
+            <a:r>
+              <a:rPr lang="en-SG" dirty="0" err="1">
+                <a:solidFill>
+                  <a:srgbClr val="D4D4D4"/>
+                </a:solidFill>
+                <a:latin typeface="Menlo" panose="020B0609030804020204" pitchFamily="49" charset="0"/>
+              </a:rPr>
+              <a:t>i</a:t>
+            </a:r>
+            <a:r>
+              <a:rPr lang="en-SG" dirty="0">
+                <a:solidFill>
+                  <a:srgbClr val="D4D4D4"/>
+                </a:solidFill>
+                <a:latin typeface="Menlo" panose="020B0609030804020204" pitchFamily="49" charset="0"/>
+              </a:rPr>
+              <a:t> += </a:t>
+            </a:r>
+            <a:r>
+              <a:rPr lang="en-SG" dirty="0">
+                <a:solidFill>
+                  <a:srgbClr val="B5CEA8"/>
+                </a:solidFill>
+                <a:latin typeface="Menlo" panose="020B0609030804020204" pitchFamily="49" charset="0"/>
+              </a:rPr>
+              <a:t>1</a:t>
+            </a:r>
+            <a:endParaRPr lang="en-SG" dirty="0">
+              <a:solidFill>
+                <a:srgbClr val="D4D4D4"/>
+              </a:solidFill>
+              <a:latin typeface="Menlo" panose="020B0609030804020204" pitchFamily="49" charset="0"/>
+            </a:endParaRPr>
+          </a:p>
+          <a:p>
+            <a:pPr lvl="1"/>
+            <a:r>
+              <a:rPr lang="en-SG" dirty="0">
+                <a:solidFill>
+                  <a:srgbClr val="D4D4D4"/>
+                </a:solidFill>
+                <a:latin typeface="Menlo" panose="020B0609030804020204" pitchFamily="49" charset="0"/>
+              </a:rPr>
+              <a:t>peak = prices[</a:t>
+            </a:r>
+            <a:r>
+              <a:rPr lang="en-SG" dirty="0" err="1">
+                <a:solidFill>
+                  <a:srgbClr val="D4D4D4"/>
+                </a:solidFill>
+                <a:latin typeface="Menlo" panose="020B0609030804020204" pitchFamily="49" charset="0"/>
+              </a:rPr>
+              <a:t>i</a:t>
+            </a:r>
+            <a:r>
+              <a:rPr lang="en-SG" dirty="0">
+                <a:solidFill>
+                  <a:srgbClr val="D4D4D4"/>
+                </a:solidFill>
+                <a:latin typeface="Menlo" panose="020B0609030804020204" pitchFamily="49" charset="0"/>
+              </a:rPr>
+              <a:t>]</a:t>
+            </a:r>
+            <a:endParaRPr lang="en-SG" b="0" dirty="0">
+              <a:solidFill>
+                <a:srgbClr val="D4D4D4"/>
+              </a:solidFill>
+              <a:effectLst/>
+              <a:latin typeface="Menlo" panose="020B0609030804020204" pitchFamily="49" charset="0"/>
+            </a:endParaRPr>
+          </a:p>
+        </p:txBody>
+      </p:sp>
+      <p:sp>
+        <p:nvSpPr>
+          <p:cNvPr id="13" name="Rectangle 12">
+            <a:extLst>
+              <a:ext uri="{FF2B5EF4-FFF2-40B4-BE49-F238E27FC236}">
+                <a16:creationId xmlns:a16="http://schemas.microsoft.com/office/drawing/2014/main" id="{120FECAE-9B42-BF4A-BC5C-663CFAA055DB}"/>
+              </a:ext>
+            </a:extLst>
+          </p:cNvPr>
+          <p:cNvSpPr/>
+          <p:nvPr/>
+        </p:nvSpPr>
+        <p:spPr>
+          <a:xfrm>
+            <a:off x="838200" y="1493573"/>
+            <a:ext cx="3246120" cy="830997"/>
+          </a:xfrm>
+          <a:prstGeom prst="rect">
+            <a:avLst/>
+          </a:prstGeom>
+        </p:spPr>
+        <p:txBody>
+          <a:bodyPr wrap="square">
+            <a:spAutoFit/>
+          </a:bodyPr>
+          <a:lstStyle/>
+          <a:p>
+            <a:r>
+              <a:rPr lang="en-US" sz="4800" dirty="0">
+                <a:latin typeface="Savoye LET Plain" pitchFamily="2" charset="0"/>
+              </a:rPr>
+              <a:t>Key Takeaways:</a:t>
+            </a:r>
+          </a:p>
+        </p:txBody>
+      </p:sp>
+    </p:spTree>
+    <p:extLst>
+      <p:ext uri="{BB962C8B-B14F-4D97-AF65-F5344CB8AC3E}">
+        <p14:creationId xmlns:p14="http://schemas.microsoft.com/office/powerpoint/2010/main" val="3150589324"/>
+      </p:ext>
+    </p:extLst>
+  </p:cSld>
+  <p:clrMapOvr>
+    <a:masterClrMapping/>
+  </p:clrMapOvr>
+</p:sld>
+</file>
+
+<file path=ppt/slides/slide6.xml><?xml version="1.0" encoding="utf-8"?>
+<p:sld xmlns:a="http://schemas.openxmlformats.org/drawingml/2006/main" xmlns:r="http://schemas.openxmlformats.org/officeDocument/2006/relationships" xmlns:p="http://schemas.openxmlformats.org/presentationml/2006/main">
+  <p:cSld>
+    <p:spTree>
+      <p:nvGrpSpPr>
+        <p:cNvPr id="1" name=""/>
+        <p:cNvGrpSpPr/>
+        <p:nvPr/>
+      </p:nvGrpSpPr>
+      <p:grpSpPr>
+        <a:xfrm>
+          <a:off x="0" y="0"/>
+          <a:ext cx="0" cy="0"/>
+          <a:chOff x="0" y="0"/>
+          <a:chExt cx="0" cy="0"/>
+        </a:xfrm>
+      </p:grpSpPr>
+      <p:sp>
+        <p:nvSpPr>
+          <p:cNvPr id="2" name="Title 1">
+            <a:extLst>
+              <a:ext uri="{FF2B5EF4-FFF2-40B4-BE49-F238E27FC236}">
+                <a16:creationId xmlns:a16="http://schemas.microsoft.com/office/drawing/2014/main" id="{429A5C7E-49E7-9744-BB9B-86F948A3AFAF}"/>
+              </a:ext>
+            </a:extLst>
+          </p:cNvPr>
+          <p:cNvSpPr>
+            <a:spLocks noGrp="1"/>
+          </p:cNvSpPr>
+          <p:nvPr>
+            <p:ph type="title"/>
+          </p:nvPr>
+        </p:nvSpPr>
+        <p:spPr/>
+        <p:txBody>
+          <a:bodyPr>
+            <a:normAutofit/>
+          </a:bodyPr>
+          <a:lstStyle/>
+          <a:p>
+            <a:r>
+              <a:rPr lang="en-SG" b="1" dirty="0"/>
+              <a:t>Group Anagrams</a:t>
+            </a:r>
+            <a:endParaRPr lang="en-US" sz="3200" dirty="0"/>
+          </a:p>
+        </p:txBody>
+      </p:sp>
+      <p:sp>
+        <p:nvSpPr>
+          <p:cNvPr id="5" name="Rectangle 4">
+            <a:extLst>
+              <a:ext uri="{FF2B5EF4-FFF2-40B4-BE49-F238E27FC236}">
+                <a16:creationId xmlns:a16="http://schemas.microsoft.com/office/drawing/2014/main" id="{0D293409-15F4-044B-85FE-85B8E7968281}"/>
+              </a:ext>
+            </a:extLst>
+          </p:cNvPr>
+          <p:cNvSpPr/>
+          <p:nvPr/>
+        </p:nvSpPr>
+        <p:spPr>
+          <a:xfrm>
+            <a:off x="838199" y="1454094"/>
+            <a:ext cx="3989295" cy="1292662"/>
+          </a:xfrm>
+          <a:prstGeom prst="rect">
+            <a:avLst/>
+          </a:prstGeom>
+        </p:spPr>
+        <p:txBody>
+          <a:bodyPr wrap="square">
+            <a:spAutoFit/>
+          </a:bodyPr>
+          <a:lstStyle/>
+          <a:p>
+            <a:pPr algn="just"/>
+            <a:r>
+              <a:rPr lang="en-SG" sz="2400" b="1" dirty="0"/>
+              <a:t>Anagrams: </a:t>
+            </a:r>
+            <a:r>
+              <a:rPr lang="vi-VN" dirty="0"/>
+              <a:t>Phép đảo chữ là cách một từ hay cụm từ được tái sắp xếp thành các ký tự của 1 từ hay cụm từ khác</a:t>
+            </a:r>
+            <a:endParaRPr lang="en-US" sz="2400" dirty="0"/>
           </a:p>
         </p:txBody>
       </p:sp>
       <p:pic>
         <p:nvPicPr>
-          <p:cNvPr id="9" name="Picture 8">
-            <a:extLst>
-              <a:ext uri="{FF2B5EF4-FFF2-40B4-BE49-F238E27FC236}">
-                <a16:creationId xmlns:a16="http://schemas.microsoft.com/office/drawing/2014/main" id="{7385BFDA-6AFA-5543-9796-46517D6E8C96}"/>
+          <p:cNvPr id="7" name="Picture 6">
+            <a:extLst>
+              <a:ext uri="{FF2B5EF4-FFF2-40B4-BE49-F238E27FC236}">
+                <a16:creationId xmlns:a16="http://schemas.microsoft.com/office/drawing/2014/main" id="{9528BDCA-A6F8-9D43-88A7-DFBEFD6AE5FA}"/>
               </a:ext>
             </a:extLst>
           </p:cNvPr>
@@ -5058,8 +5874,8 @@
         </p:blipFill>
         <p:spPr>
           <a:xfrm>
-            <a:off x="1822450" y="1499768"/>
-            <a:ext cx="4965700" cy="381000"/>
+            <a:off x="5235388" y="1231756"/>
+            <a:ext cx="6400800" cy="4978400"/>
           </a:xfrm>
           <a:prstGeom prst="rect">
             <a:avLst/>
@@ -5070,6 +5886,583 @@
     <p:extLst>
       <p:ext uri="{BB962C8B-B14F-4D97-AF65-F5344CB8AC3E}">
         <p14:creationId xmlns:p14="http://schemas.microsoft.com/office/powerpoint/2010/main" val="314750983"/>
+      </p:ext>
+    </p:extLst>
+  </p:cSld>
+  <p:clrMapOvr>
+    <a:masterClrMapping/>
+  </p:clrMapOvr>
+</p:sld>
+</file>
+
+<file path=ppt/slides/slide7.xml><?xml version="1.0" encoding="utf-8"?>
+<p:sld xmlns:a="http://schemas.openxmlformats.org/drawingml/2006/main" xmlns:r="http://schemas.openxmlformats.org/officeDocument/2006/relationships" xmlns:p="http://schemas.openxmlformats.org/presentationml/2006/main">
+  <p:cSld>
+    <p:spTree>
+      <p:nvGrpSpPr>
+        <p:cNvPr id="1" name=""/>
+        <p:cNvGrpSpPr/>
+        <p:nvPr/>
+      </p:nvGrpSpPr>
+      <p:grpSpPr>
+        <a:xfrm>
+          <a:off x="0" y="0"/>
+          <a:ext cx="0" cy="0"/>
+          <a:chOff x="0" y="0"/>
+          <a:chExt cx="0" cy="0"/>
+        </a:xfrm>
+      </p:grpSpPr>
+      <p:sp>
+        <p:nvSpPr>
+          <p:cNvPr id="2" name="Title 1">
+            <a:extLst>
+              <a:ext uri="{FF2B5EF4-FFF2-40B4-BE49-F238E27FC236}">
+                <a16:creationId xmlns:a16="http://schemas.microsoft.com/office/drawing/2014/main" id="{429A5C7E-49E7-9744-BB9B-86F948A3AFAF}"/>
+              </a:ext>
+            </a:extLst>
+          </p:cNvPr>
+          <p:cNvSpPr>
+            <a:spLocks noGrp="1"/>
+          </p:cNvSpPr>
+          <p:nvPr>
+            <p:ph type="title"/>
+          </p:nvPr>
+        </p:nvSpPr>
+        <p:spPr/>
+        <p:txBody>
+          <a:bodyPr>
+            <a:normAutofit/>
+          </a:bodyPr>
+          <a:lstStyle/>
+          <a:p>
+            <a:r>
+              <a:rPr lang="en-SG" b="1" dirty="0"/>
+              <a:t>Group Anagrams</a:t>
+            </a:r>
+            <a:endParaRPr lang="en-US" sz="3200" dirty="0"/>
+          </a:p>
+        </p:txBody>
+      </p:sp>
+      <p:pic>
+        <p:nvPicPr>
+          <p:cNvPr id="3" name="Picture 2">
+            <a:extLst>
+              <a:ext uri="{FF2B5EF4-FFF2-40B4-BE49-F238E27FC236}">
+                <a16:creationId xmlns:a16="http://schemas.microsoft.com/office/drawing/2014/main" id="{BDA2F8C9-AFB2-3345-BA88-6BC0B79B8723}"/>
+              </a:ext>
+            </a:extLst>
+          </p:cNvPr>
+          <p:cNvPicPr>
+            <a:picLocks noChangeAspect="1"/>
+          </p:cNvPicPr>
+          <p:nvPr/>
+        </p:nvPicPr>
+        <p:blipFill>
+          <a:blip r:embed="rId3"/>
+          <a:stretch>
+            <a:fillRect/>
+          </a:stretch>
+        </p:blipFill>
+        <p:spPr>
+          <a:xfrm>
+            <a:off x="5449824" y="1355090"/>
+            <a:ext cx="6108700" cy="3416300"/>
+          </a:xfrm>
+          <a:prstGeom prst="rect">
+            <a:avLst/>
+          </a:prstGeom>
+        </p:spPr>
+      </p:pic>
+      <p:sp>
+        <p:nvSpPr>
+          <p:cNvPr id="6" name="Rectangle 5">
+            <a:extLst>
+              <a:ext uri="{FF2B5EF4-FFF2-40B4-BE49-F238E27FC236}">
+                <a16:creationId xmlns:a16="http://schemas.microsoft.com/office/drawing/2014/main" id="{A63D7176-C4A0-0642-B42C-58A4755457C1}"/>
+              </a:ext>
+            </a:extLst>
+          </p:cNvPr>
+          <p:cNvSpPr/>
+          <p:nvPr/>
+        </p:nvSpPr>
+        <p:spPr>
+          <a:xfrm>
+            <a:off x="838199" y="1454094"/>
+            <a:ext cx="4611625" cy="2739211"/>
+          </a:xfrm>
+          <a:prstGeom prst="rect">
+            <a:avLst/>
+          </a:prstGeom>
+        </p:spPr>
+        <p:txBody>
+          <a:bodyPr wrap="square">
+            <a:spAutoFit/>
+          </a:bodyPr>
+          <a:lstStyle/>
+          <a:p>
+            <a:pPr algn="just"/>
+            <a:r>
+              <a:rPr lang="en-SG" sz="2400" b="1" dirty="0"/>
+              <a:t>Approach: </a:t>
+            </a:r>
+            <a:r>
+              <a:rPr lang="en-SG" sz="2400" dirty="0"/>
+              <a:t>Categorize by Sorted String</a:t>
+            </a:r>
+          </a:p>
+          <a:p>
+            <a:pPr marL="800100" lvl="1" indent="-342900" algn="just">
+              <a:buFont typeface="Arial" panose="020B0604020202020204" pitchFamily="34" charset="0"/>
+              <a:buChar char="•"/>
+            </a:pPr>
+            <a:r>
+              <a:rPr lang="en-SG" sz="2000" dirty="0"/>
+              <a:t>Categorized by using Hash Table (key-value)</a:t>
+            </a:r>
+          </a:p>
+          <a:p>
+            <a:pPr marL="1257300" lvl="2" indent="-342900" algn="just">
+              <a:buFont typeface="Arial" panose="020B0604020202020204" pitchFamily="34" charset="0"/>
+              <a:buChar char="•"/>
+            </a:pPr>
+            <a:r>
+              <a:rPr lang="en-SG" sz="2000" b="1" dirty="0"/>
+              <a:t>Key</a:t>
+            </a:r>
+            <a:r>
+              <a:rPr lang="en-SG" sz="2000" dirty="0"/>
+              <a:t>: Sorted String</a:t>
+            </a:r>
+          </a:p>
+          <a:p>
+            <a:pPr marL="1257300" lvl="2" indent="-342900" algn="just">
+              <a:buFont typeface="Arial" panose="020B0604020202020204" pitchFamily="34" charset="0"/>
+              <a:buChar char="•"/>
+            </a:pPr>
+            <a:r>
+              <a:rPr lang="en-SG" sz="2000" b="1" dirty="0"/>
+              <a:t>Value</a:t>
+            </a:r>
+            <a:r>
+              <a:rPr lang="en-SG" sz="2000" dirty="0"/>
+              <a:t>: All anagrams </a:t>
+            </a:r>
+          </a:p>
+          <a:p>
+            <a:pPr marL="800100" lvl="1" indent="-342900" algn="just">
+              <a:buFont typeface="Arial" panose="020B0604020202020204" pitchFamily="34" charset="0"/>
+              <a:buChar char="•"/>
+            </a:pPr>
+            <a:r>
+              <a:rPr lang="en-SG" sz="2000" dirty="0"/>
+              <a:t>Hash Table in Python is Dictionary</a:t>
+            </a:r>
+          </a:p>
+          <a:p>
+            <a:pPr algn="just"/>
+            <a:endParaRPr lang="en-US" sz="2400" dirty="0"/>
+          </a:p>
+        </p:txBody>
+      </p:sp>
+    </p:spTree>
+    <p:extLst>
+      <p:ext uri="{BB962C8B-B14F-4D97-AF65-F5344CB8AC3E}">
+        <p14:creationId xmlns:p14="http://schemas.microsoft.com/office/powerpoint/2010/main" val="2584779060"/>
+      </p:ext>
+    </p:extLst>
+  </p:cSld>
+  <p:clrMapOvr>
+    <a:masterClrMapping/>
+  </p:clrMapOvr>
+</p:sld>
+</file>
+
+<file path=ppt/slides/slide8.xml><?xml version="1.0" encoding="utf-8"?>
+<p:sld xmlns:a="http://schemas.openxmlformats.org/drawingml/2006/main" xmlns:r="http://schemas.openxmlformats.org/officeDocument/2006/relationships" xmlns:p="http://schemas.openxmlformats.org/presentationml/2006/main">
+  <p:cSld>
+    <p:spTree>
+      <p:nvGrpSpPr>
+        <p:cNvPr id="1" name=""/>
+        <p:cNvGrpSpPr/>
+        <p:nvPr/>
+      </p:nvGrpSpPr>
+      <p:grpSpPr>
+        <a:xfrm>
+          <a:off x="0" y="0"/>
+          <a:ext cx="0" cy="0"/>
+          <a:chOff x="0" y="0"/>
+          <a:chExt cx="0" cy="0"/>
+        </a:xfrm>
+      </p:grpSpPr>
+      <p:sp>
+        <p:nvSpPr>
+          <p:cNvPr id="2" name="Title 1">
+            <a:extLst>
+              <a:ext uri="{FF2B5EF4-FFF2-40B4-BE49-F238E27FC236}">
+                <a16:creationId xmlns:a16="http://schemas.microsoft.com/office/drawing/2014/main" id="{429A5C7E-49E7-9744-BB9B-86F948A3AFAF}"/>
+              </a:ext>
+            </a:extLst>
+          </p:cNvPr>
+          <p:cNvSpPr>
+            <a:spLocks noGrp="1"/>
+          </p:cNvSpPr>
+          <p:nvPr>
+            <p:ph type="title"/>
+          </p:nvPr>
+        </p:nvSpPr>
+        <p:spPr/>
+        <p:txBody>
+          <a:bodyPr>
+            <a:normAutofit/>
+          </a:bodyPr>
+          <a:lstStyle/>
+          <a:p>
+            <a:r>
+              <a:rPr lang="en-SG" b="1" dirty="0"/>
+              <a:t>Group Anagrams</a:t>
+            </a:r>
+            <a:endParaRPr lang="en-US" sz="3200" dirty="0"/>
+          </a:p>
+        </p:txBody>
+      </p:sp>
+      <p:sp>
+        <p:nvSpPr>
+          <p:cNvPr id="6" name="Rectangle 5">
+            <a:extLst>
+              <a:ext uri="{FF2B5EF4-FFF2-40B4-BE49-F238E27FC236}">
+                <a16:creationId xmlns:a16="http://schemas.microsoft.com/office/drawing/2014/main" id="{A63D7176-C4A0-0642-B42C-58A4755457C1}"/>
+              </a:ext>
+            </a:extLst>
+          </p:cNvPr>
+          <p:cNvSpPr/>
+          <p:nvPr/>
+        </p:nvSpPr>
+        <p:spPr>
+          <a:xfrm>
+            <a:off x="838200" y="2324570"/>
+            <a:ext cx="9890760" cy="2862322"/>
+          </a:xfrm>
+          <a:prstGeom prst="rect">
+            <a:avLst/>
+          </a:prstGeom>
+        </p:spPr>
+        <p:txBody>
+          <a:bodyPr wrap="square">
+            <a:spAutoFit/>
+          </a:bodyPr>
+          <a:lstStyle/>
+          <a:p>
+            <a:pPr marL="800100" lvl="1" indent="-342900" algn="just">
+              <a:buFont typeface="Arial" panose="020B0604020202020204" pitchFamily="34" charset="0"/>
+              <a:buChar char="•"/>
+            </a:pPr>
+            <a:r>
+              <a:rPr lang="en-SG" sz="2000" dirty="0"/>
+              <a:t>Hash Table (key-value) in Python is Dictionary</a:t>
+            </a:r>
+          </a:p>
+          <a:p>
+            <a:pPr marL="1257300" lvl="2" indent="-342900" algn="just">
+              <a:buFont typeface="Arial" panose="020B0604020202020204" pitchFamily="34" charset="0"/>
+              <a:buChar char="•"/>
+            </a:pPr>
+            <a:r>
+              <a:rPr lang="en-SG" sz="2000" dirty="0"/>
+              <a:t>Initialize </a:t>
+            </a:r>
+            <a:r>
+              <a:rPr lang="en-SG" sz="2000" dirty="0" err="1"/>
+              <a:t>Dict</a:t>
+            </a:r>
+            <a:r>
+              <a:rPr lang="en-SG" sz="2000" dirty="0"/>
+              <a:t> with value = empty List</a:t>
+            </a:r>
+          </a:p>
+          <a:p>
+            <a:pPr marL="1257300" lvl="2" indent="-342900" algn="just">
+              <a:buFont typeface="Arial" panose="020B0604020202020204" pitchFamily="34" charset="0"/>
+              <a:buChar char="•"/>
+            </a:pPr>
+            <a:endParaRPr lang="en-SG" sz="2000" dirty="0"/>
+          </a:p>
+          <a:p>
+            <a:pPr marL="1257300" lvl="2" indent="-342900" algn="just">
+              <a:buFont typeface="Arial" panose="020B0604020202020204" pitchFamily="34" charset="0"/>
+              <a:buChar char="•"/>
+            </a:pPr>
+            <a:endParaRPr lang="en-SG" sz="2000" dirty="0"/>
+          </a:p>
+          <a:p>
+            <a:pPr marL="1257300" lvl="2" indent="-342900" algn="just">
+              <a:buFont typeface="Arial" panose="020B0604020202020204" pitchFamily="34" charset="0"/>
+              <a:buChar char="•"/>
+            </a:pPr>
+            <a:endParaRPr lang="en-SG" sz="2000" dirty="0"/>
+          </a:p>
+          <a:p>
+            <a:pPr marL="1257300" lvl="2" indent="-342900" algn="just">
+              <a:buFont typeface="Arial" panose="020B0604020202020204" pitchFamily="34" charset="0"/>
+              <a:buChar char="•"/>
+            </a:pPr>
+            <a:r>
+              <a:rPr lang="en-SG" sz="2000" dirty="0"/>
+              <a:t>Hash-able and Un-</a:t>
+            </a:r>
+            <a:r>
+              <a:rPr lang="en-SG" sz="2000" dirty="0" err="1"/>
+              <a:t>Hashable</a:t>
+            </a:r>
+            <a:r>
+              <a:rPr lang="en-SG" sz="2000" dirty="0"/>
+              <a:t> key:</a:t>
+            </a:r>
+            <a:endParaRPr lang="en-US" sz="2400" dirty="0"/>
+          </a:p>
+          <a:p>
+            <a:pPr marL="1714500" lvl="3" indent="-342900" algn="just">
+              <a:buFont typeface="Arial" panose="020B0604020202020204" pitchFamily="34" charset="0"/>
+              <a:buChar char="•"/>
+            </a:pPr>
+            <a:r>
+              <a:rPr lang="en-US" sz="2000" dirty="0"/>
+              <a:t>Hash-able Object: int, float, decimal, complex, bool, string, tuple, range, </a:t>
+            </a:r>
+            <a:r>
+              <a:rPr lang="en-US" sz="2000" dirty="0" err="1"/>
+              <a:t>frozenset</a:t>
+            </a:r>
+            <a:r>
+              <a:rPr lang="en-US" sz="2000" dirty="0"/>
+              <a:t>, bytes</a:t>
+            </a:r>
+          </a:p>
+          <a:p>
+            <a:pPr marL="1714500" lvl="3" indent="-342900" algn="just">
+              <a:buFont typeface="Arial" panose="020B0604020202020204" pitchFamily="34" charset="0"/>
+              <a:buChar char="•"/>
+            </a:pPr>
+            <a:r>
+              <a:rPr lang="en-SG" sz="2000" dirty="0"/>
+              <a:t>Un-</a:t>
+            </a:r>
+            <a:r>
+              <a:rPr lang="en-SG" sz="2000" dirty="0" err="1"/>
+              <a:t>Hashable</a:t>
+            </a:r>
+            <a:r>
+              <a:rPr lang="en-SG" sz="2000" dirty="0"/>
+              <a:t>: list, </a:t>
+            </a:r>
+            <a:r>
+              <a:rPr lang="en-SG" sz="2000" dirty="0" err="1"/>
+              <a:t>dict</a:t>
+            </a:r>
+            <a:r>
+              <a:rPr lang="en-SG" sz="2000" dirty="0"/>
+              <a:t>, set, </a:t>
+            </a:r>
+            <a:r>
+              <a:rPr lang="en-SG" sz="2000" dirty="0" err="1"/>
+              <a:t>bytearray</a:t>
+            </a:r>
+            <a:r>
+              <a:rPr lang="en-SG" sz="2000" dirty="0"/>
+              <a:t>, user-defined classes</a:t>
+            </a:r>
+          </a:p>
+        </p:txBody>
+      </p:sp>
+      <p:sp>
+        <p:nvSpPr>
+          <p:cNvPr id="7" name="Rectangle 6">
+            <a:extLst>
+              <a:ext uri="{FF2B5EF4-FFF2-40B4-BE49-F238E27FC236}">
+                <a16:creationId xmlns:a16="http://schemas.microsoft.com/office/drawing/2014/main" id="{4184CE3A-F7DE-D640-87C7-37C03B59B6E6}"/>
+              </a:ext>
+            </a:extLst>
+          </p:cNvPr>
+          <p:cNvSpPr/>
+          <p:nvPr/>
+        </p:nvSpPr>
+        <p:spPr>
+          <a:xfrm>
+            <a:off x="838200" y="1493573"/>
+            <a:ext cx="3246120" cy="830997"/>
+          </a:xfrm>
+          <a:prstGeom prst="rect">
+            <a:avLst/>
+          </a:prstGeom>
+        </p:spPr>
+        <p:txBody>
+          <a:bodyPr wrap="square">
+            <a:spAutoFit/>
+          </a:bodyPr>
+          <a:lstStyle/>
+          <a:p>
+            <a:r>
+              <a:rPr lang="en-US" sz="4800" dirty="0">
+                <a:latin typeface="Savoye LET Plain" pitchFamily="2" charset="0"/>
+              </a:rPr>
+              <a:t>Key Takeaways:</a:t>
+            </a:r>
+          </a:p>
+        </p:txBody>
+      </p:sp>
+      <p:sp>
+        <p:nvSpPr>
+          <p:cNvPr id="5" name="Rectangle 4">
+            <a:extLst>
+              <a:ext uri="{FF2B5EF4-FFF2-40B4-BE49-F238E27FC236}">
+                <a16:creationId xmlns:a16="http://schemas.microsoft.com/office/drawing/2014/main" id="{C66AFC46-1DB6-C542-9D73-BDDB5EA8EDFE}"/>
+              </a:ext>
+            </a:extLst>
+          </p:cNvPr>
+          <p:cNvSpPr/>
+          <p:nvPr/>
+        </p:nvSpPr>
+        <p:spPr>
+          <a:xfrm>
+            <a:off x="2182368" y="3105834"/>
+            <a:ext cx="8546592" cy="646331"/>
+          </a:xfrm>
+          <a:prstGeom prst="rect">
+            <a:avLst/>
+          </a:prstGeom>
+          <a:solidFill>
+            <a:schemeClr val="tx1">
+              <a:lumMod val="75000"/>
+              <a:lumOff val="25000"/>
+            </a:schemeClr>
+          </a:solidFill>
+        </p:spPr>
+        <p:txBody>
+          <a:bodyPr wrap="square">
+            <a:spAutoFit/>
+          </a:bodyPr>
+          <a:lstStyle/>
+          <a:p>
+            <a:r>
+              <a:rPr lang="en-SG" dirty="0">
+                <a:solidFill>
+                  <a:srgbClr val="C586C0"/>
+                </a:solidFill>
+                <a:latin typeface="Menlo" panose="020B0609030804020204" pitchFamily="49" charset="0"/>
+              </a:rPr>
+              <a:t>from</a:t>
+            </a:r>
+            <a:r>
+              <a:rPr lang="en-SG" dirty="0">
+                <a:solidFill>
+                  <a:srgbClr val="D4D4D4"/>
+                </a:solidFill>
+                <a:latin typeface="Menlo" panose="020B0609030804020204" pitchFamily="49" charset="0"/>
+              </a:rPr>
+              <a:t> collections </a:t>
+            </a:r>
+            <a:r>
+              <a:rPr lang="en-SG" dirty="0">
+                <a:solidFill>
+                  <a:srgbClr val="C586C0"/>
+                </a:solidFill>
+                <a:latin typeface="Menlo" panose="020B0609030804020204" pitchFamily="49" charset="0"/>
+              </a:rPr>
+              <a:t>import</a:t>
+            </a:r>
+            <a:r>
+              <a:rPr lang="en-SG" dirty="0">
+                <a:solidFill>
+                  <a:srgbClr val="D4D4D4"/>
+                </a:solidFill>
+                <a:latin typeface="Menlo" panose="020B0609030804020204" pitchFamily="49" charset="0"/>
+              </a:rPr>
+              <a:t> </a:t>
+            </a:r>
+            <a:r>
+              <a:rPr lang="en-SG" dirty="0" err="1">
+                <a:solidFill>
+                  <a:srgbClr val="D4D4D4"/>
+                </a:solidFill>
+                <a:latin typeface="Menlo" panose="020B0609030804020204" pitchFamily="49" charset="0"/>
+              </a:rPr>
+              <a:t>defaultdict</a:t>
+            </a:r>
+            <a:endParaRPr lang="en-SG" dirty="0">
+              <a:solidFill>
+                <a:srgbClr val="D4D4D4"/>
+              </a:solidFill>
+              <a:latin typeface="Menlo" panose="020B0609030804020204" pitchFamily="49" charset="0"/>
+            </a:endParaRPr>
+          </a:p>
+          <a:p>
+            <a:r>
+              <a:rPr lang="en-SG" dirty="0" err="1">
+                <a:solidFill>
+                  <a:srgbClr val="D4D4D4"/>
+                </a:solidFill>
+                <a:latin typeface="Menlo" panose="020B0609030804020204" pitchFamily="49" charset="0"/>
+              </a:rPr>
+              <a:t>ans</a:t>
+            </a:r>
+            <a:r>
+              <a:rPr lang="en-SG" dirty="0">
+                <a:solidFill>
+                  <a:srgbClr val="D4D4D4"/>
+                </a:solidFill>
+                <a:latin typeface="Menlo" panose="020B0609030804020204" pitchFamily="49" charset="0"/>
+              </a:rPr>
+              <a:t> = </a:t>
+            </a:r>
+            <a:r>
+              <a:rPr lang="en-SG" dirty="0" err="1">
+                <a:solidFill>
+                  <a:srgbClr val="D4D4D4"/>
+                </a:solidFill>
+                <a:latin typeface="Menlo" panose="020B0609030804020204" pitchFamily="49" charset="0"/>
+              </a:rPr>
+              <a:t>defaultdict</a:t>
+            </a:r>
+            <a:r>
+              <a:rPr lang="en-SG" dirty="0">
+                <a:solidFill>
+                  <a:srgbClr val="D4D4D4"/>
+                </a:solidFill>
+                <a:latin typeface="Menlo" panose="020B0609030804020204" pitchFamily="49" charset="0"/>
+              </a:rPr>
+              <a:t>(</a:t>
+            </a:r>
+            <a:r>
+              <a:rPr lang="en-SG" dirty="0">
+                <a:solidFill>
+                  <a:srgbClr val="4EC9B0"/>
+                </a:solidFill>
+                <a:latin typeface="Menlo" panose="020B0609030804020204" pitchFamily="49" charset="0"/>
+              </a:rPr>
+              <a:t>list</a:t>
+            </a:r>
+            <a:r>
+              <a:rPr lang="en-SG" dirty="0">
+                <a:solidFill>
+                  <a:srgbClr val="D4D4D4"/>
+                </a:solidFill>
+                <a:latin typeface="Menlo" panose="020B0609030804020204" pitchFamily="49" charset="0"/>
+              </a:rPr>
+              <a:t>)</a:t>
+            </a:r>
+            <a:endParaRPr lang="en-SG" b="0" dirty="0">
+              <a:solidFill>
+                <a:srgbClr val="D4D4D4"/>
+              </a:solidFill>
+              <a:effectLst/>
+              <a:latin typeface="Menlo" panose="020B0609030804020204" pitchFamily="49" charset="0"/>
+            </a:endParaRPr>
+          </a:p>
+        </p:txBody>
+      </p:sp>
+    </p:spTree>
+    <p:extLst>
+      <p:ext uri="{BB962C8B-B14F-4D97-AF65-F5344CB8AC3E}">
+        <p14:creationId xmlns:p14="http://schemas.microsoft.com/office/powerpoint/2010/main" val="2772175486"/>
       </p:ext>
     </p:extLst>
   </p:cSld>
